--- a/img/剑指Offer.pptx
+++ b/img/剑指Offer.pptx
@@ -6,6 +6,7 @@
   </p:sldMasterIdLst>
   <p:sldIdLst>
     <p:sldId id="256" r:id="rId2"/>
+    <p:sldId id="257" r:id="rId3"/>
   </p:sldIdLst>
   <p:sldSz cx="12192000" cy="6858000"/>
   <p:notesSz cx="6858000" cy="9144000"/>
@@ -104,6 +105,11 @@
       </a:defRPr>
     </a:lvl9pPr>
   </p:defaultTextStyle>
+  <p:extLst>
+    <p:ext uri="{EFAFB233-063F-42B5-8137-9DF3F51BA10A}">
+      <p15:sldGuideLst xmlns:p15="http://schemas.microsoft.com/office/powerpoint/2012/main"/>
+    </p:ext>
+  </p:extLst>
 </p:presentation>
 </file>
 
@@ -5699,6 +5705,2401 @@
 </p:sld>
 </file>
 
+<file path=ppt/slides/slide2.xml><?xml version="1.0" encoding="utf-8"?>
+<p:sld xmlns:a="http://schemas.openxmlformats.org/drawingml/2006/main" xmlns:r="http://schemas.openxmlformats.org/officeDocument/2006/relationships" xmlns:p="http://schemas.openxmlformats.org/presentationml/2006/main">
+  <p:cSld>
+    <p:spTree>
+      <p:nvGrpSpPr>
+        <p:cNvPr id="1" name=""/>
+        <p:cNvGrpSpPr/>
+        <p:nvPr/>
+      </p:nvGrpSpPr>
+      <p:grpSpPr>
+        <a:xfrm>
+          <a:off x="0" y="0"/>
+          <a:ext cx="0" cy="0"/>
+          <a:chOff x="0" y="0"/>
+          <a:chExt cx="0" cy="0"/>
+        </a:xfrm>
+      </p:grpSpPr>
+      <p:graphicFrame>
+        <p:nvGraphicFramePr>
+          <p:cNvPr id="8" name="表格 8">
+            <a:extLst>
+              <a:ext uri="{FF2B5EF4-FFF2-40B4-BE49-F238E27FC236}">
+                <a16:creationId xmlns:a16="http://schemas.microsoft.com/office/drawing/2014/main" id="{408E2442-604F-46EA-9723-69525B9E6960}"/>
+              </a:ext>
+            </a:extLst>
+          </p:cNvPr>
+          <p:cNvGraphicFramePr>
+            <a:graphicFrameLocks noGrp="1"/>
+          </p:cNvGraphicFramePr>
+          <p:nvPr>
+            <p:extLst>
+              <p:ext uri="{D42A27DB-BD31-4B8C-83A1-F6EECF244321}">
+                <p14:modId xmlns:p14="http://schemas.microsoft.com/office/powerpoint/2010/main" val="1689577703"/>
+              </p:ext>
+            </p:extLst>
+          </p:nvPr>
+        </p:nvGraphicFramePr>
+        <p:xfrm>
+          <a:off x="555536" y="856793"/>
+          <a:ext cx="1776604" cy="2194560"/>
+        </p:xfrm>
+        <a:graphic>
+          <a:graphicData uri="http://schemas.openxmlformats.org/drawingml/2006/table">
+            <a:tbl>
+              <a:tblPr firstRow="1" bandRow="1">
+                <a:tableStyleId>{5C22544A-7EE6-4342-B048-85BDC9FD1C3A}</a:tableStyleId>
+              </a:tblPr>
+              <a:tblGrid>
+                <a:gridCol w="888302">
+                  <a:extLst>
+                    <a:ext uri="{9D8B030D-6E8A-4147-A177-3AD203B41FA5}">
+                      <a16:colId xmlns:a16="http://schemas.microsoft.com/office/drawing/2014/main" val="1275399870"/>
+                    </a:ext>
+                  </a:extLst>
+                </a:gridCol>
+                <a:gridCol w="888302">
+                  <a:extLst>
+                    <a:ext uri="{9D8B030D-6E8A-4147-A177-3AD203B41FA5}">
+                      <a16:colId xmlns:a16="http://schemas.microsoft.com/office/drawing/2014/main" val="1604182782"/>
+                    </a:ext>
+                  </a:extLst>
+                </a:gridCol>
+              </a:tblGrid>
+              <a:tr h="359143">
+                <a:tc>
+                  <a:txBody>
+                    <a:bodyPr/>
+                    <a:lstStyle/>
+                    <a:p>
+                      <a:pPr algn="ctr"/>
+                      <a:r>
+                        <a:rPr lang="en-US" altLang="zh-CN" dirty="0"/>
+                        <a:t>N</a:t>
+                      </a:r>
+                    </a:p>
+                  </a:txBody>
+                  <a:tcPr/>
+                </a:tc>
+                <a:tc>
+                  <a:txBody>
+                    <a:bodyPr/>
+                    <a:lstStyle/>
+                    <a:p>
+                      <a:pPr algn="ctr"/>
+                      <a:r>
+                        <a:rPr lang="en-US" altLang="zh-CN" dirty="0"/>
+                        <a:t>F(N)</a:t>
+                      </a:r>
+                      <a:endParaRPr lang="zh-CN" altLang="en-US" dirty="0"/>
+                    </a:p>
+                  </a:txBody>
+                  <a:tcPr/>
+                </a:tc>
+                <a:extLst>
+                  <a:ext uri="{0D108BD9-81ED-4DB2-BD59-A6C34878D82A}">
+                    <a16:rowId xmlns:a16="http://schemas.microsoft.com/office/drawing/2014/main" val="2926948484"/>
+                  </a:ext>
+                </a:extLst>
+              </a:tr>
+              <a:tr h="359143">
+                <a:tc>
+                  <a:txBody>
+                    <a:bodyPr/>
+                    <a:lstStyle/>
+                    <a:p>
+                      <a:pPr algn="ctr"/>
+                      <a:r>
+                        <a:rPr lang="en-US" altLang="zh-CN" dirty="0"/>
+                        <a:t>0</a:t>
+                      </a:r>
+                      <a:endParaRPr lang="zh-CN" altLang="en-US" dirty="0"/>
+                    </a:p>
+                  </a:txBody>
+                  <a:tcPr/>
+                </a:tc>
+                <a:tc>
+                  <a:txBody>
+                    <a:bodyPr/>
+                    <a:lstStyle/>
+                    <a:p>
+                      <a:pPr algn="ctr"/>
+                      <a:r>
+                        <a:rPr lang="en-US" altLang="zh-CN" dirty="0"/>
+                        <a:t>1</a:t>
+                      </a:r>
+                      <a:endParaRPr lang="zh-CN" altLang="en-US" dirty="0"/>
+                    </a:p>
+                  </a:txBody>
+                  <a:tcPr/>
+                </a:tc>
+                <a:extLst>
+                  <a:ext uri="{0D108BD9-81ED-4DB2-BD59-A6C34878D82A}">
+                    <a16:rowId xmlns:a16="http://schemas.microsoft.com/office/drawing/2014/main" val="2158690441"/>
+                  </a:ext>
+                </a:extLst>
+              </a:tr>
+              <a:tr h="359143">
+                <a:tc>
+                  <a:txBody>
+                    <a:bodyPr/>
+                    <a:lstStyle/>
+                    <a:p>
+                      <a:pPr algn="ctr"/>
+                      <a:r>
+                        <a:rPr lang="en-US" altLang="zh-CN" dirty="0"/>
+                        <a:t>1</a:t>
+                      </a:r>
+                      <a:endParaRPr lang="zh-CN" altLang="en-US" dirty="0"/>
+                    </a:p>
+                  </a:txBody>
+                  <a:tcPr/>
+                </a:tc>
+                <a:tc>
+                  <a:txBody>
+                    <a:bodyPr/>
+                    <a:lstStyle/>
+                    <a:p>
+                      <a:pPr algn="ctr"/>
+                      <a:r>
+                        <a:rPr lang="en-US" altLang="zh-CN" dirty="0"/>
+                        <a:t>1</a:t>
+                      </a:r>
+                      <a:endParaRPr lang="zh-CN" altLang="en-US" dirty="0"/>
+                    </a:p>
+                  </a:txBody>
+                  <a:tcPr/>
+                </a:tc>
+                <a:extLst>
+                  <a:ext uri="{0D108BD9-81ED-4DB2-BD59-A6C34878D82A}">
+                    <a16:rowId xmlns:a16="http://schemas.microsoft.com/office/drawing/2014/main" val="3683482813"/>
+                  </a:ext>
+                </a:extLst>
+              </a:tr>
+              <a:tr h="359143">
+                <a:tc>
+                  <a:txBody>
+                    <a:bodyPr/>
+                    <a:lstStyle/>
+                    <a:p>
+                      <a:endParaRPr lang="zh-CN" altLang="en-US"/>
+                    </a:p>
+                  </a:txBody>
+                  <a:tcPr/>
+                </a:tc>
+                <a:tc>
+                  <a:txBody>
+                    <a:bodyPr/>
+                    <a:lstStyle/>
+                    <a:p>
+                      <a:endParaRPr lang="zh-CN" altLang="en-US"/>
+                    </a:p>
+                  </a:txBody>
+                  <a:tcPr/>
+                </a:tc>
+                <a:extLst>
+                  <a:ext uri="{0D108BD9-81ED-4DB2-BD59-A6C34878D82A}">
+                    <a16:rowId xmlns:a16="http://schemas.microsoft.com/office/drawing/2014/main" val="316509517"/>
+                  </a:ext>
+                </a:extLst>
+              </a:tr>
+              <a:tr h="359143">
+                <a:tc>
+                  <a:txBody>
+                    <a:bodyPr/>
+                    <a:lstStyle/>
+                    <a:p>
+                      <a:endParaRPr lang="zh-CN" altLang="en-US"/>
+                    </a:p>
+                  </a:txBody>
+                  <a:tcPr/>
+                </a:tc>
+                <a:tc>
+                  <a:txBody>
+                    <a:bodyPr/>
+                    <a:lstStyle/>
+                    <a:p>
+                      <a:endParaRPr lang="zh-CN" altLang="en-US"/>
+                    </a:p>
+                  </a:txBody>
+                  <a:tcPr/>
+                </a:tc>
+                <a:extLst>
+                  <a:ext uri="{0D108BD9-81ED-4DB2-BD59-A6C34878D82A}">
+                    <a16:rowId xmlns:a16="http://schemas.microsoft.com/office/drawing/2014/main" val="900184180"/>
+                  </a:ext>
+                </a:extLst>
+              </a:tr>
+              <a:tr h="359143">
+                <a:tc>
+                  <a:txBody>
+                    <a:bodyPr/>
+                    <a:lstStyle/>
+                    <a:p>
+                      <a:endParaRPr lang="zh-CN" altLang="en-US"/>
+                    </a:p>
+                  </a:txBody>
+                  <a:tcPr/>
+                </a:tc>
+                <a:tc>
+                  <a:txBody>
+                    <a:bodyPr/>
+                    <a:lstStyle/>
+                    <a:p>
+                      <a:endParaRPr lang="zh-CN" altLang="en-US" dirty="0"/>
+                    </a:p>
+                  </a:txBody>
+                  <a:tcPr/>
+                </a:tc>
+                <a:extLst>
+                  <a:ext uri="{0D108BD9-81ED-4DB2-BD59-A6C34878D82A}">
+                    <a16:rowId xmlns:a16="http://schemas.microsoft.com/office/drawing/2014/main" val="1919504973"/>
+                  </a:ext>
+                </a:extLst>
+              </a:tr>
+            </a:tbl>
+          </a:graphicData>
+        </a:graphic>
+      </p:graphicFrame>
+      <p:graphicFrame>
+        <p:nvGraphicFramePr>
+          <p:cNvPr id="9" name="表格 8">
+            <a:extLst>
+              <a:ext uri="{FF2B5EF4-FFF2-40B4-BE49-F238E27FC236}">
+                <a16:creationId xmlns:a16="http://schemas.microsoft.com/office/drawing/2014/main" id="{78F32FF5-2219-434C-89A2-FB6D4B572930}"/>
+              </a:ext>
+            </a:extLst>
+          </p:cNvPr>
+          <p:cNvGraphicFramePr>
+            <a:graphicFrameLocks noGrp="1"/>
+          </p:cNvGraphicFramePr>
+          <p:nvPr>
+            <p:extLst>
+              <p:ext uri="{D42A27DB-BD31-4B8C-83A1-F6EECF244321}">
+                <p14:modId xmlns:p14="http://schemas.microsoft.com/office/powerpoint/2010/main" val="3595626729"/>
+              </p:ext>
+            </p:extLst>
+          </p:nvPr>
+        </p:nvGraphicFramePr>
+        <p:xfrm>
+          <a:off x="4270927" y="854548"/>
+          <a:ext cx="1776604" cy="2194560"/>
+        </p:xfrm>
+        <a:graphic>
+          <a:graphicData uri="http://schemas.openxmlformats.org/drawingml/2006/table">
+            <a:tbl>
+              <a:tblPr firstRow="1" bandRow="1">
+                <a:tableStyleId>{5C22544A-7EE6-4342-B048-85BDC9FD1C3A}</a:tableStyleId>
+              </a:tblPr>
+              <a:tblGrid>
+                <a:gridCol w="888302">
+                  <a:extLst>
+                    <a:ext uri="{9D8B030D-6E8A-4147-A177-3AD203B41FA5}">
+                      <a16:colId xmlns:a16="http://schemas.microsoft.com/office/drawing/2014/main" val="1275399870"/>
+                    </a:ext>
+                  </a:extLst>
+                </a:gridCol>
+                <a:gridCol w="888302">
+                  <a:extLst>
+                    <a:ext uri="{9D8B030D-6E8A-4147-A177-3AD203B41FA5}">
+                      <a16:colId xmlns:a16="http://schemas.microsoft.com/office/drawing/2014/main" val="1604182782"/>
+                    </a:ext>
+                  </a:extLst>
+                </a:gridCol>
+              </a:tblGrid>
+              <a:tr h="359143">
+                <a:tc>
+                  <a:txBody>
+                    <a:bodyPr/>
+                    <a:lstStyle/>
+                    <a:p>
+                      <a:pPr algn="ctr"/>
+                      <a:r>
+                        <a:rPr lang="en-US" altLang="zh-CN" dirty="0"/>
+                        <a:t>N</a:t>
+                      </a:r>
+                    </a:p>
+                  </a:txBody>
+                  <a:tcPr/>
+                </a:tc>
+                <a:tc>
+                  <a:txBody>
+                    <a:bodyPr/>
+                    <a:lstStyle/>
+                    <a:p>
+                      <a:pPr algn="ctr"/>
+                      <a:r>
+                        <a:rPr lang="en-US" altLang="zh-CN" dirty="0"/>
+                        <a:t>F(N)</a:t>
+                      </a:r>
+                      <a:endParaRPr lang="zh-CN" altLang="en-US" dirty="0"/>
+                    </a:p>
+                  </a:txBody>
+                  <a:tcPr/>
+                </a:tc>
+                <a:extLst>
+                  <a:ext uri="{0D108BD9-81ED-4DB2-BD59-A6C34878D82A}">
+                    <a16:rowId xmlns:a16="http://schemas.microsoft.com/office/drawing/2014/main" val="2926948484"/>
+                  </a:ext>
+                </a:extLst>
+              </a:tr>
+              <a:tr h="359143">
+                <a:tc>
+                  <a:txBody>
+                    <a:bodyPr/>
+                    <a:lstStyle/>
+                    <a:p>
+                      <a:pPr algn="ctr"/>
+                      <a:r>
+                        <a:rPr lang="en-US" altLang="zh-CN" dirty="0"/>
+                        <a:t>0</a:t>
+                      </a:r>
+                      <a:endParaRPr lang="zh-CN" altLang="en-US" dirty="0"/>
+                    </a:p>
+                  </a:txBody>
+                  <a:tcPr/>
+                </a:tc>
+                <a:tc>
+                  <a:txBody>
+                    <a:bodyPr/>
+                    <a:lstStyle/>
+                    <a:p>
+                      <a:pPr algn="ctr"/>
+                      <a:r>
+                        <a:rPr lang="en-US" altLang="zh-CN" dirty="0"/>
+                        <a:t>1</a:t>
+                      </a:r>
+                      <a:endParaRPr lang="zh-CN" altLang="en-US" dirty="0"/>
+                    </a:p>
+                  </a:txBody>
+                  <a:tcPr/>
+                </a:tc>
+                <a:extLst>
+                  <a:ext uri="{0D108BD9-81ED-4DB2-BD59-A6C34878D82A}">
+                    <a16:rowId xmlns:a16="http://schemas.microsoft.com/office/drawing/2014/main" val="2158690441"/>
+                  </a:ext>
+                </a:extLst>
+              </a:tr>
+              <a:tr h="359143">
+                <a:tc>
+                  <a:txBody>
+                    <a:bodyPr/>
+                    <a:lstStyle/>
+                    <a:p>
+                      <a:pPr algn="ctr"/>
+                      <a:r>
+                        <a:rPr lang="en-US" altLang="zh-CN" dirty="0"/>
+                        <a:t>1</a:t>
+                      </a:r>
+                      <a:endParaRPr lang="zh-CN" altLang="en-US" dirty="0"/>
+                    </a:p>
+                  </a:txBody>
+                  <a:tcPr/>
+                </a:tc>
+                <a:tc>
+                  <a:txBody>
+                    <a:bodyPr/>
+                    <a:lstStyle/>
+                    <a:p>
+                      <a:pPr algn="ctr"/>
+                      <a:r>
+                        <a:rPr lang="en-US" altLang="zh-CN" dirty="0"/>
+                        <a:t>1</a:t>
+                      </a:r>
+                      <a:endParaRPr lang="zh-CN" altLang="en-US" dirty="0"/>
+                    </a:p>
+                  </a:txBody>
+                  <a:tcPr/>
+                </a:tc>
+                <a:extLst>
+                  <a:ext uri="{0D108BD9-81ED-4DB2-BD59-A6C34878D82A}">
+                    <a16:rowId xmlns:a16="http://schemas.microsoft.com/office/drawing/2014/main" val="3683482813"/>
+                  </a:ext>
+                </a:extLst>
+              </a:tr>
+              <a:tr h="359143">
+                <a:tc>
+                  <a:txBody>
+                    <a:bodyPr/>
+                    <a:lstStyle/>
+                    <a:p>
+                      <a:pPr algn="ctr"/>
+                      <a:r>
+                        <a:rPr lang="en-US" altLang="zh-CN" dirty="0"/>
+                        <a:t>2</a:t>
+                      </a:r>
+                      <a:endParaRPr lang="zh-CN" altLang="en-US" dirty="0"/>
+                    </a:p>
+                  </a:txBody>
+                  <a:tcPr/>
+                </a:tc>
+                <a:tc>
+                  <a:txBody>
+                    <a:bodyPr/>
+                    <a:lstStyle/>
+                    <a:p>
+                      <a:pPr algn="ctr"/>
+                      <a:r>
+                        <a:rPr lang="en-US" altLang="zh-CN" dirty="0"/>
+                        <a:t>2</a:t>
+                      </a:r>
+                      <a:endParaRPr lang="zh-CN" altLang="en-US" dirty="0"/>
+                    </a:p>
+                  </a:txBody>
+                  <a:tcPr/>
+                </a:tc>
+                <a:extLst>
+                  <a:ext uri="{0D108BD9-81ED-4DB2-BD59-A6C34878D82A}">
+                    <a16:rowId xmlns:a16="http://schemas.microsoft.com/office/drawing/2014/main" val="316509517"/>
+                  </a:ext>
+                </a:extLst>
+              </a:tr>
+              <a:tr h="359143">
+                <a:tc>
+                  <a:txBody>
+                    <a:bodyPr/>
+                    <a:lstStyle/>
+                    <a:p>
+                      <a:endParaRPr lang="zh-CN" altLang="en-US"/>
+                    </a:p>
+                  </a:txBody>
+                  <a:tcPr/>
+                </a:tc>
+                <a:tc>
+                  <a:txBody>
+                    <a:bodyPr/>
+                    <a:lstStyle/>
+                    <a:p>
+                      <a:endParaRPr lang="zh-CN" altLang="en-US"/>
+                    </a:p>
+                  </a:txBody>
+                  <a:tcPr/>
+                </a:tc>
+                <a:extLst>
+                  <a:ext uri="{0D108BD9-81ED-4DB2-BD59-A6C34878D82A}">
+                    <a16:rowId xmlns:a16="http://schemas.microsoft.com/office/drawing/2014/main" val="900184180"/>
+                  </a:ext>
+                </a:extLst>
+              </a:tr>
+              <a:tr h="359143">
+                <a:tc>
+                  <a:txBody>
+                    <a:bodyPr/>
+                    <a:lstStyle/>
+                    <a:p>
+                      <a:endParaRPr lang="zh-CN" altLang="en-US"/>
+                    </a:p>
+                  </a:txBody>
+                  <a:tcPr/>
+                </a:tc>
+                <a:tc>
+                  <a:txBody>
+                    <a:bodyPr/>
+                    <a:lstStyle/>
+                    <a:p>
+                      <a:endParaRPr lang="zh-CN" altLang="en-US" dirty="0"/>
+                    </a:p>
+                  </a:txBody>
+                  <a:tcPr/>
+                </a:tc>
+                <a:extLst>
+                  <a:ext uri="{0D108BD9-81ED-4DB2-BD59-A6C34878D82A}">
+                    <a16:rowId xmlns:a16="http://schemas.microsoft.com/office/drawing/2014/main" val="1919504973"/>
+                  </a:ext>
+                </a:extLst>
+              </a:tr>
+            </a:tbl>
+          </a:graphicData>
+        </a:graphic>
+      </p:graphicFrame>
+      <p:graphicFrame>
+        <p:nvGraphicFramePr>
+          <p:cNvPr id="10" name="表格 9">
+            <a:extLst>
+              <a:ext uri="{FF2B5EF4-FFF2-40B4-BE49-F238E27FC236}">
+                <a16:creationId xmlns:a16="http://schemas.microsoft.com/office/drawing/2014/main" id="{B1E9BB64-E0EA-4C89-BD70-CF4343111FF0}"/>
+              </a:ext>
+            </a:extLst>
+          </p:cNvPr>
+          <p:cNvGraphicFramePr>
+            <a:graphicFrameLocks noGrp="1"/>
+          </p:cNvGraphicFramePr>
+          <p:nvPr>
+            <p:extLst>
+              <p:ext uri="{D42A27DB-BD31-4B8C-83A1-F6EECF244321}">
+                <p14:modId xmlns:p14="http://schemas.microsoft.com/office/powerpoint/2010/main" val="3575598700"/>
+              </p:ext>
+            </p:extLst>
+          </p:nvPr>
+        </p:nvGraphicFramePr>
+        <p:xfrm>
+          <a:off x="7983754" y="854548"/>
+          <a:ext cx="1776604" cy="2194560"/>
+        </p:xfrm>
+        <a:graphic>
+          <a:graphicData uri="http://schemas.openxmlformats.org/drawingml/2006/table">
+            <a:tbl>
+              <a:tblPr firstRow="1" bandRow="1">
+                <a:tableStyleId>{5C22544A-7EE6-4342-B048-85BDC9FD1C3A}</a:tableStyleId>
+              </a:tblPr>
+              <a:tblGrid>
+                <a:gridCol w="888302">
+                  <a:extLst>
+                    <a:ext uri="{9D8B030D-6E8A-4147-A177-3AD203B41FA5}">
+                      <a16:colId xmlns:a16="http://schemas.microsoft.com/office/drawing/2014/main" val="1275399870"/>
+                    </a:ext>
+                  </a:extLst>
+                </a:gridCol>
+                <a:gridCol w="888302">
+                  <a:extLst>
+                    <a:ext uri="{9D8B030D-6E8A-4147-A177-3AD203B41FA5}">
+                      <a16:colId xmlns:a16="http://schemas.microsoft.com/office/drawing/2014/main" val="1604182782"/>
+                    </a:ext>
+                  </a:extLst>
+                </a:gridCol>
+              </a:tblGrid>
+              <a:tr h="359143">
+                <a:tc>
+                  <a:txBody>
+                    <a:bodyPr/>
+                    <a:lstStyle/>
+                    <a:p>
+                      <a:pPr algn="ctr"/>
+                      <a:r>
+                        <a:rPr lang="en-US" altLang="zh-CN" dirty="0"/>
+                        <a:t>N</a:t>
+                      </a:r>
+                    </a:p>
+                  </a:txBody>
+                  <a:tcPr/>
+                </a:tc>
+                <a:tc>
+                  <a:txBody>
+                    <a:bodyPr/>
+                    <a:lstStyle/>
+                    <a:p>
+                      <a:pPr algn="ctr"/>
+                      <a:r>
+                        <a:rPr lang="en-US" altLang="zh-CN" dirty="0"/>
+                        <a:t>F(N)</a:t>
+                      </a:r>
+                      <a:endParaRPr lang="zh-CN" altLang="en-US" dirty="0"/>
+                    </a:p>
+                  </a:txBody>
+                  <a:tcPr/>
+                </a:tc>
+                <a:extLst>
+                  <a:ext uri="{0D108BD9-81ED-4DB2-BD59-A6C34878D82A}">
+                    <a16:rowId xmlns:a16="http://schemas.microsoft.com/office/drawing/2014/main" val="2926948484"/>
+                  </a:ext>
+                </a:extLst>
+              </a:tr>
+              <a:tr h="359143">
+                <a:tc>
+                  <a:txBody>
+                    <a:bodyPr/>
+                    <a:lstStyle/>
+                    <a:p>
+                      <a:pPr algn="ctr"/>
+                      <a:r>
+                        <a:rPr lang="en-US" altLang="zh-CN" dirty="0"/>
+                        <a:t>0</a:t>
+                      </a:r>
+                      <a:endParaRPr lang="zh-CN" altLang="en-US" dirty="0"/>
+                    </a:p>
+                  </a:txBody>
+                  <a:tcPr/>
+                </a:tc>
+                <a:tc>
+                  <a:txBody>
+                    <a:bodyPr/>
+                    <a:lstStyle/>
+                    <a:p>
+                      <a:pPr algn="ctr"/>
+                      <a:r>
+                        <a:rPr lang="en-US" altLang="zh-CN" dirty="0"/>
+                        <a:t>1</a:t>
+                      </a:r>
+                      <a:endParaRPr lang="zh-CN" altLang="en-US" dirty="0"/>
+                    </a:p>
+                  </a:txBody>
+                  <a:tcPr/>
+                </a:tc>
+                <a:extLst>
+                  <a:ext uri="{0D108BD9-81ED-4DB2-BD59-A6C34878D82A}">
+                    <a16:rowId xmlns:a16="http://schemas.microsoft.com/office/drawing/2014/main" val="2158690441"/>
+                  </a:ext>
+                </a:extLst>
+              </a:tr>
+              <a:tr h="359143">
+                <a:tc>
+                  <a:txBody>
+                    <a:bodyPr/>
+                    <a:lstStyle/>
+                    <a:p>
+                      <a:pPr algn="ctr"/>
+                      <a:r>
+                        <a:rPr lang="en-US" altLang="zh-CN" dirty="0"/>
+                        <a:t>1</a:t>
+                      </a:r>
+                      <a:endParaRPr lang="zh-CN" altLang="en-US" dirty="0"/>
+                    </a:p>
+                  </a:txBody>
+                  <a:tcPr/>
+                </a:tc>
+                <a:tc>
+                  <a:txBody>
+                    <a:bodyPr/>
+                    <a:lstStyle/>
+                    <a:p>
+                      <a:pPr algn="ctr"/>
+                      <a:r>
+                        <a:rPr lang="en-US" altLang="zh-CN" dirty="0"/>
+                        <a:t>1</a:t>
+                      </a:r>
+                      <a:endParaRPr lang="zh-CN" altLang="en-US" dirty="0"/>
+                    </a:p>
+                  </a:txBody>
+                  <a:tcPr/>
+                </a:tc>
+                <a:extLst>
+                  <a:ext uri="{0D108BD9-81ED-4DB2-BD59-A6C34878D82A}">
+                    <a16:rowId xmlns:a16="http://schemas.microsoft.com/office/drawing/2014/main" val="3683482813"/>
+                  </a:ext>
+                </a:extLst>
+              </a:tr>
+              <a:tr h="359143">
+                <a:tc>
+                  <a:txBody>
+                    <a:bodyPr/>
+                    <a:lstStyle/>
+                    <a:p>
+                      <a:pPr algn="ctr"/>
+                      <a:r>
+                        <a:rPr lang="en-US" altLang="zh-CN" dirty="0"/>
+                        <a:t>2</a:t>
+                      </a:r>
+                      <a:endParaRPr lang="zh-CN" altLang="en-US" dirty="0"/>
+                    </a:p>
+                  </a:txBody>
+                  <a:tcPr/>
+                </a:tc>
+                <a:tc>
+                  <a:txBody>
+                    <a:bodyPr/>
+                    <a:lstStyle/>
+                    <a:p>
+                      <a:pPr algn="ctr"/>
+                      <a:r>
+                        <a:rPr lang="en-US" altLang="zh-CN" dirty="0"/>
+                        <a:t>2</a:t>
+                      </a:r>
+                      <a:endParaRPr lang="zh-CN" altLang="en-US" dirty="0"/>
+                    </a:p>
+                  </a:txBody>
+                  <a:tcPr/>
+                </a:tc>
+                <a:extLst>
+                  <a:ext uri="{0D108BD9-81ED-4DB2-BD59-A6C34878D82A}">
+                    <a16:rowId xmlns:a16="http://schemas.microsoft.com/office/drawing/2014/main" val="316509517"/>
+                  </a:ext>
+                </a:extLst>
+              </a:tr>
+              <a:tr h="359143">
+                <a:tc>
+                  <a:txBody>
+                    <a:bodyPr/>
+                    <a:lstStyle/>
+                    <a:p>
+                      <a:pPr algn="ctr"/>
+                      <a:r>
+                        <a:rPr lang="en-US" altLang="zh-CN" dirty="0"/>
+                        <a:t>3</a:t>
+                      </a:r>
+                      <a:endParaRPr lang="zh-CN" altLang="en-US" dirty="0"/>
+                    </a:p>
+                  </a:txBody>
+                  <a:tcPr/>
+                </a:tc>
+                <a:tc>
+                  <a:txBody>
+                    <a:bodyPr/>
+                    <a:lstStyle/>
+                    <a:p>
+                      <a:pPr algn="ctr"/>
+                      <a:r>
+                        <a:rPr lang="en-US" altLang="zh-CN" dirty="0"/>
+                        <a:t>3</a:t>
+                      </a:r>
+                      <a:endParaRPr lang="zh-CN" altLang="en-US" dirty="0"/>
+                    </a:p>
+                  </a:txBody>
+                  <a:tcPr/>
+                </a:tc>
+                <a:extLst>
+                  <a:ext uri="{0D108BD9-81ED-4DB2-BD59-A6C34878D82A}">
+                    <a16:rowId xmlns:a16="http://schemas.microsoft.com/office/drawing/2014/main" val="900184180"/>
+                  </a:ext>
+                </a:extLst>
+              </a:tr>
+              <a:tr h="359143">
+                <a:tc>
+                  <a:txBody>
+                    <a:bodyPr/>
+                    <a:lstStyle/>
+                    <a:p>
+                      <a:endParaRPr lang="zh-CN" altLang="en-US"/>
+                    </a:p>
+                  </a:txBody>
+                  <a:tcPr/>
+                </a:tc>
+                <a:tc>
+                  <a:txBody>
+                    <a:bodyPr/>
+                    <a:lstStyle/>
+                    <a:p>
+                      <a:endParaRPr lang="zh-CN" altLang="en-US" dirty="0"/>
+                    </a:p>
+                  </a:txBody>
+                  <a:tcPr/>
+                </a:tc>
+                <a:extLst>
+                  <a:ext uri="{0D108BD9-81ED-4DB2-BD59-A6C34878D82A}">
+                    <a16:rowId xmlns:a16="http://schemas.microsoft.com/office/drawing/2014/main" val="1919504973"/>
+                  </a:ext>
+                </a:extLst>
+              </a:tr>
+            </a:tbl>
+          </a:graphicData>
+        </a:graphic>
+      </p:graphicFrame>
+      <p:sp>
+        <p:nvSpPr>
+          <p:cNvPr id="11" name="箭头: 左 10">
+            <a:extLst>
+              <a:ext uri="{FF2B5EF4-FFF2-40B4-BE49-F238E27FC236}">
+                <a16:creationId xmlns:a16="http://schemas.microsoft.com/office/drawing/2014/main" id="{2C1ADAE7-06FB-4470-AA15-7BF874FA7CB7}"/>
+              </a:ext>
+            </a:extLst>
+          </p:cNvPr>
+          <p:cNvSpPr/>
+          <p:nvPr/>
+        </p:nvSpPr>
+        <p:spPr>
+          <a:xfrm>
+            <a:off x="2430244" y="1359017"/>
+            <a:ext cx="388458" cy="125834"/>
+          </a:xfrm>
+          <a:prstGeom prst="leftArrow">
+            <a:avLst/>
+          </a:prstGeom>
+        </p:spPr>
+        <p:style>
+          <a:lnRef idx="2">
+            <a:schemeClr val="accent1">
+              <a:shade val="50000"/>
+            </a:schemeClr>
+          </a:lnRef>
+          <a:fillRef idx="1">
+            <a:schemeClr val="accent1"/>
+          </a:fillRef>
+          <a:effectRef idx="0">
+            <a:schemeClr val="accent1"/>
+          </a:effectRef>
+          <a:fontRef idx="minor">
+            <a:schemeClr val="lt1"/>
+          </a:fontRef>
+        </p:style>
+        <p:txBody>
+          <a:bodyPr rtlCol="0" anchor="ctr"/>
+          <a:lstStyle/>
+          <a:p>
+            <a:pPr algn="ctr"/>
+            <a:endParaRPr lang="zh-CN" altLang="en-US"/>
+          </a:p>
+        </p:txBody>
+      </p:sp>
+      <p:sp>
+        <p:nvSpPr>
+          <p:cNvPr id="12" name="文本框 11">
+            <a:extLst>
+              <a:ext uri="{FF2B5EF4-FFF2-40B4-BE49-F238E27FC236}">
+                <a16:creationId xmlns:a16="http://schemas.microsoft.com/office/drawing/2014/main" id="{1CAE1634-197E-4E41-8EAD-E05F40AB8FDB}"/>
+              </a:ext>
+            </a:extLst>
+          </p:cNvPr>
+          <p:cNvSpPr txBox="1"/>
+          <p:nvPr/>
+        </p:nvSpPr>
+        <p:spPr>
+          <a:xfrm>
+            <a:off x="2818702" y="1237268"/>
+            <a:ext cx="550151" cy="338554"/>
+          </a:xfrm>
+          <a:prstGeom prst="rect">
+            <a:avLst/>
+          </a:prstGeom>
+          <a:noFill/>
+        </p:spPr>
+        <p:txBody>
+          <a:bodyPr wrap="square" rtlCol="0">
+            <a:spAutoFit/>
+          </a:bodyPr>
+          <a:lstStyle/>
+          <a:p>
+            <a:r>
+              <a:rPr lang="en-US" altLang="zh-CN" sz="1600" dirty="0"/>
+              <a:t>first</a:t>
+            </a:r>
+            <a:endParaRPr lang="zh-CN" altLang="en-US" sz="1600" dirty="0"/>
+          </a:p>
+        </p:txBody>
+      </p:sp>
+      <p:sp>
+        <p:nvSpPr>
+          <p:cNvPr id="13" name="箭头: 左 12">
+            <a:extLst>
+              <a:ext uri="{FF2B5EF4-FFF2-40B4-BE49-F238E27FC236}">
+                <a16:creationId xmlns:a16="http://schemas.microsoft.com/office/drawing/2014/main" id="{CD548719-CD00-4B5E-B4CB-BE6B271C15AC}"/>
+              </a:ext>
+            </a:extLst>
+          </p:cNvPr>
+          <p:cNvSpPr/>
+          <p:nvPr/>
+        </p:nvSpPr>
+        <p:spPr>
+          <a:xfrm>
+            <a:off x="2431642" y="1721142"/>
+            <a:ext cx="388458" cy="125834"/>
+          </a:xfrm>
+          <a:prstGeom prst="leftArrow">
+            <a:avLst/>
+          </a:prstGeom>
+        </p:spPr>
+        <p:style>
+          <a:lnRef idx="2">
+            <a:schemeClr val="accent1">
+              <a:shade val="50000"/>
+            </a:schemeClr>
+          </a:lnRef>
+          <a:fillRef idx="1">
+            <a:schemeClr val="accent1"/>
+          </a:fillRef>
+          <a:effectRef idx="0">
+            <a:schemeClr val="accent1"/>
+          </a:effectRef>
+          <a:fontRef idx="minor">
+            <a:schemeClr val="lt1"/>
+          </a:fontRef>
+        </p:style>
+        <p:txBody>
+          <a:bodyPr rtlCol="0" anchor="ctr"/>
+          <a:lstStyle/>
+          <a:p>
+            <a:pPr algn="ctr"/>
+            <a:endParaRPr lang="zh-CN" altLang="en-US"/>
+          </a:p>
+        </p:txBody>
+      </p:sp>
+      <p:sp>
+        <p:nvSpPr>
+          <p:cNvPr id="14" name="文本框 13">
+            <a:extLst>
+              <a:ext uri="{FF2B5EF4-FFF2-40B4-BE49-F238E27FC236}">
+                <a16:creationId xmlns:a16="http://schemas.microsoft.com/office/drawing/2014/main" id="{EFB5253A-F8E5-48FC-8CB6-14003A0CC8E6}"/>
+              </a:ext>
+            </a:extLst>
+          </p:cNvPr>
+          <p:cNvSpPr txBox="1"/>
+          <p:nvPr/>
+        </p:nvSpPr>
+        <p:spPr>
+          <a:xfrm>
+            <a:off x="2820100" y="1599393"/>
+            <a:ext cx="1538445" cy="338554"/>
+          </a:xfrm>
+          <a:prstGeom prst="rect">
+            <a:avLst/>
+          </a:prstGeom>
+          <a:noFill/>
+        </p:spPr>
+        <p:txBody>
+          <a:bodyPr wrap="square" rtlCol="0">
+            <a:spAutoFit/>
+          </a:bodyPr>
+          <a:lstStyle/>
+          <a:p>
+            <a:r>
+              <a:rPr lang="en-US" altLang="zh-CN" sz="1600" dirty="0"/>
+              <a:t>second, sum</a:t>
+            </a:r>
+            <a:endParaRPr lang="zh-CN" altLang="en-US" sz="1600" dirty="0"/>
+          </a:p>
+        </p:txBody>
+      </p:sp>
+      <p:sp>
+        <p:nvSpPr>
+          <p:cNvPr id="15" name="箭头: 左 14">
+            <a:extLst>
+              <a:ext uri="{FF2B5EF4-FFF2-40B4-BE49-F238E27FC236}">
+                <a16:creationId xmlns:a16="http://schemas.microsoft.com/office/drawing/2014/main" id="{E239F8E3-30E7-42E2-8D93-972E49B698CE}"/>
+              </a:ext>
+            </a:extLst>
+          </p:cNvPr>
+          <p:cNvSpPr/>
+          <p:nvPr/>
+        </p:nvSpPr>
+        <p:spPr>
+          <a:xfrm>
+            <a:off x="6132561" y="1721142"/>
+            <a:ext cx="388458" cy="125834"/>
+          </a:xfrm>
+          <a:prstGeom prst="leftArrow">
+            <a:avLst/>
+          </a:prstGeom>
+        </p:spPr>
+        <p:style>
+          <a:lnRef idx="2">
+            <a:schemeClr val="accent1">
+              <a:shade val="50000"/>
+            </a:schemeClr>
+          </a:lnRef>
+          <a:fillRef idx="1">
+            <a:schemeClr val="accent1"/>
+          </a:fillRef>
+          <a:effectRef idx="0">
+            <a:schemeClr val="accent1"/>
+          </a:effectRef>
+          <a:fontRef idx="minor">
+            <a:schemeClr val="lt1"/>
+          </a:fontRef>
+        </p:style>
+        <p:txBody>
+          <a:bodyPr rtlCol="0" anchor="ctr"/>
+          <a:lstStyle/>
+          <a:p>
+            <a:pPr algn="ctr"/>
+            <a:endParaRPr lang="zh-CN" altLang="en-US"/>
+          </a:p>
+        </p:txBody>
+      </p:sp>
+      <p:sp>
+        <p:nvSpPr>
+          <p:cNvPr id="16" name="文本框 15">
+            <a:extLst>
+              <a:ext uri="{FF2B5EF4-FFF2-40B4-BE49-F238E27FC236}">
+                <a16:creationId xmlns:a16="http://schemas.microsoft.com/office/drawing/2014/main" id="{B021E0B9-E5A1-4E3D-A81F-0D5B4F8F70DF}"/>
+              </a:ext>
+            </a:extLst>
+          </p:cNvPr>
+          <p:cNvSpPr txBox="1"/>
+          <p:nvPr/>
+        </p:nvSpPr>
+        <p:spPr>
+          <a:xfrm>
+            <a:off x="6521019" y="1599393"/>
+            <a:ext cx="550151" cy="338554"/>
+          </a:xfrm>
+          <a:prstGeom prst="rect">
+            <a:avLst/>
+          </a:prstGeom>
+          <a:noFill/>
+        </p:spPr>
+        <p:txBody>
+          <a:bodyPr wrap="square" rtlCol="0">
+            <a:spAutoFit/>
+          </a:bodyPr>
+          <a:lstStyle/>
+          <a:p>
+            <a:r>
+              <a:rPr lang="en-US" altLang="zh-CN" sz="1600" dirty="0"/>
+              <a:t>first</a:t>
+            </a:r>
+            <a:endParaRPr lang="zh-CN" altLang="en-US" sz="1600" dirty="0"/>
+          </a:p>
+        </p:txBody>
+      </p:sp>
+      <p:sp>
+        <p:nvSpPr>
+          <p:cNvPr id="17" name="箭头: 左 16">
+            <a:extLst>
+              <a:ext uri="{FF2B5EF4-FFF2-40B4-BE49-F238E27FC236}">
+                <a16:creationId xmlns:a16="http://schemas.microsoft.com/office/drawing/2014/main" id="{FEED7D59-47E4-4978-ACAE-E135F4D41C37}"/>
+              </a:ext>
+            </a:extLst>
+          </p:cNvPr>
+          <p:cNvSpPr/>
+          <p:nvPr/>
+        </p:nvSpPr>
+        <p:spPr>
+          <a:xfrm>
+            <a:off x="6133959" y="2083267"/>
+            <a:ext cx="388458" cy="125834"/>
+          </a:xfrm>
+          <a:prstGeom prst="leftArrow">
+            <a:avLst/>
+          </a:prstGeom>
+        </p:spPr>
+        <p:style>
+          <a:lnRef idx="2">
+            <a:schemeClr val="accent1">
+              <a:shade val="50000"/>
+            </a:schemeClr>
+          </a:lnRef>
+          <a:fillRef idx="1">
+            <a:schemeClr val="accent1"/>
+          </a:fillRef>
+          <a:effectRef idx="0">
+            <a:schemeClr val="accent1"/>
+          </a:effectRef>
+          <a:fontRef idx="minor">
+            <a:schemeClr val="lt1"/>
+          </a:fontRef>
+        </p:style>
+        <p:txBody>
+          <a:bodyPr rtlCol="0" anchor="ctr"/>
+          <a:lstStyle/>
+          <a:p>
+            <a:pPr algn="ctr"/>
+            <a:endParaRPr lang="zh-CN" altLang="en-US"/>
+          </a:p>
+        </p:txBody>
+      </p:sp>
+      <p:sp>
+        <p:nvSpPr>
+          <p:cNvPr id="18" name="文本框 17">
+            <a:extLst>
+              <a:ext uri="{FF2B5EF4-FFF2-40B4-BE49-F238E27FC236}">
+                <a16:creationId xmlns:a16="http://schemas.microsoft.com/office/drawing/2014/main" id="{0F7E0ADD-778E-4178-98E6-47537920883B}"/>
+              </a:ext>
+            </a:extLst>
+          </p:cNvPr>
+          <p:cNvSpPr txBox="1"/>
+          <p:nvPr/>
+        </p:nvSpPr>
+        <p:spPr>
+          <a:xfrm>
+            <a:off x="6531737" y="1937947"/>
+            <a:ext cx="1538445" cy="338554"/>
+          </a:xfrm>
+          <a:prstGeom prst="rect">
+            <a:avLst/>
+          </a:prstGeom>
+          <a:noFill/>
+        </p:spPr>
+        <p:txBody>
+          <a:bodyPr wrap="square" rtlCol="0">
+            <a:spAutoFit/>
+          </a:bodyPr>
+          <a:lstStyle/>
+          <a:p>
+            <a:r>
+              <a:rPr lang="en-US" altLang="zh-CN" sz="1600" dirty="0"/>
+              <a:t>second, sum</a:t>
+            </a:r>
+            <a:endParaRPr lang="zh-CN" altLang="en-US" sz="1600" dirty="0"/>
+          </a:p>
+        </p:txBody>
+      </p:sp>
+      <p:sp>
+        <p:nvSpPr>
+          <p:cNvPr id="19" name="箭头: 左 18">
+            <a:extLst>
+              <a:ext uri="{FF2B5EF4-FFF2-40B4-BE49-F238E27FC236}">
+                <a16:creationId xmlns:a16="http://schemas.microsoft.com/office/drawing/2014/main" id="{92D7E518-250A-4503-BAEB-B07DA7071BD5}"/>
+              </a:ext>
+            </a:extLst>
+          </p:cNvPr>
+          <p:cNvSpPr/>
+          <p:nvPr/>
+        </p:nvSpPr>
+        <p:spPr>
+          <a:xfrm>
+            <a:off x="9841894" y="2062493"/>
+            <a:ext cx="388458" cy="125834"/>
+          </a:xfrm>
+          <a:prstGeom prst="leftArrow">
+            <a:avLst/>
+          </a:prstGeom>
+        </p:spPr>
+        <p:style>
+          <a:lnRef idx="2">
+            <a:schemeClr val="accent1">
+              <a:shade val="50000"/>
+            </a:schemeClr>
+          </a:lnRef>
+          <a:fillRef idx="1">
+            <a:schemeClr val="accent1"/>
+          </a:fillRef>
+          <a:effectRef idx="0">
+            <a:schemeClr val="accent1"/>
+          </a:effectRef>
+          <a:fontRef idx="minor">
+            <a:schemeClr val="lt1"/>
+          </a:fontRef>
+        </p:style>
+        <p:txBody>
+          <a:bodyPr rtlCol="0" anchor="ctr"/>
+          <a:lstStyle/>
+          <a:p>
+            <a:pPr algn="ctr"/>
+            <a:endParaRPr lang="zh-CN" altLang="en-US"/>
+          </a:p>
+        </p:txBody>
+      </p:sp>
+      <p:sp>
+        <p:nvSpPr>
+          <p:cNvPr id="20" name="文本框 19">
+            <a:extLst>
+              <a:ext uri="{FF2B5EF4-FFF2-40B4-BE49-F238E27FC236}">
+                <a16:creationId xmlns:a16="http://schemas.microsoft.com/office/drawing/2014/main" id="{6C8DED74-4686-4F8E-BC4F-9F58025E13E7}"/>
+              </a:ext>
+            </a:extLst>
+          </p:cNvPr>
+          <p:cNvSpPr txBox="1"/>
+          <p:nvPr/>
+        </p:nvSpPr>
+        <p:spPr>
+          <a:xfrm>
+            <a:off x="10230352" y="1940744"/>
+            <a:ext cx="550151" cy="338554"/>
+          </a:xfrm>
+          <a:prstGeom prst="rect">
+            <a:avLst/>
+          </a:prstGeom>
+          <a:noFill/>
+        </p:spPr>
+        <p:txBody>
+          <a:bodyPr wrap="square" rtlCol="0">
+            <a:spAutoFit/>
+          </a:bodyPr>
+          <a:lstStyle/>
+          <a:p>
+            <a:r>
+              <a:rPr lang="en-US" altLang="zh-CN" sz="1600" dirty="0"/>
+              <a:t>first</a:t>
+            </a:r>
+            <a:endParaRPr lang="zh-CN" altLang="en-US" sz="1600" dirty="0"/>
+          </a:p>
+        </p:txBody>
+      </p:sp>
+      <p:sp>
+        <p:nvSpPr>
+          <p:cNvPr id="21" name="箭头: 左 20">
+            <a:extLst>
+              <a:ext uri="{FF2B5EF4-FFF2-40B4-BE49-F238E27FC236}">
+                <a16:creationId xmlns:a16="http://schemas.microsoft.com/office/drawing/2014/main" id="{A2A97863-2E5B-4ACA-B65E-975FDFBCA803}"/>
+              </a:ext>
+            </a:extLst>
+          </p:cNvPr>
+          <p:cNvSpPr/>
+          <p:nvPr/>
+        </p:nvSpPr>
+        <p:spPr>
+          <a:xfrm>
+            <a:off x="9843292" y="2424618"/>
+            <a:ext cx="388458" cy="125834"/>
+          </a:xfrm>
+          <a:prstGeom prst="leftArrow">
+            <a:avLst/>
+          </a:prstGeom>
+        </p:spPr>
+        <p:style>
+          <a:lnRef idx="2">
+            <a:schemeClr val="accent1">
+              <a:shade val="50000"/>
+            </a:schemeClr>
+          </a:lnRef>
+          <a:fillRef idx="1">
+            <a:schemeClr val="accent1"/>
+          </a:fillRef>
+          <a:effectRef idx="0">
+            <a:schemeClr val="accent1"/>
+          </a:effectRef>
+          <a:fontRef idx="minor">
+            <a:schemeClr val="lt1"/>
+          </a:fontRef>
+        </p:style>
+        <p:txBody>
+          <a:bodyPr rtlCol="0" anchor="ctr"/>
+          <a:lstStyle/>
+          <a:p>
+            <a:pPr algn="ctr"/>
+            <a:endParaRPr lang="zh-CN" altLang="en-US"/>
+          </a:p>
+        </p:txBody>
+      </p:sp>
+      <p:sp>
+        <p:nvSpPr>
+          <p:cNvPr id="22" name="文本框 21">
+            <a:extLst>
+              <a:ext uri="{FF2B5EF4-FFF2-40B4-BE49-F238E27FC236}">
+                <a16:creationId xmlns:a16="http://schemas.microsoft.com/office/drawing/2014/main" id="{91A5B89A-B0D1-4E35-8E1F-B202072C682C}"/>
+              </a:ext>
+            </a:extLst>
+          </p:cNvPr>
+          <p:cNvSpPr txBox="1"/>
+          <p:nvPr/>
+        </p:nvSpPr>
+        <p:spPr>
+          <a:xfrm>
+            <a:off x="10241070" y="2279298"/>
+            <a:ext cx="1538445" cy="338554"/>
+          </a:xfrm>
+          <a:prstGeom prst="rect">
+            <a:avLst/>
+          </a:prstGeom>
+          <a:noFill/>
+        </p:spPr>
+        <p:txBody>
+          <a:bodyPr wrap="square" rtlCol="0">
+            <a:spAutoFit/>
+          </a:bodyPr>
+          <a:lstStyle/>
+          <a:p>
+            <a:r>
+              <a:rPr lang="en-US" altLang="zh-CN" sz="1600" dirty="0"/>
+              <a:t>second, sum</a:t>
+            </a:r>
+            <a:endParaRPr lang="zh-CN" altLang="en-US" sz="1600" dirty="0"/>
+          </a:p>
+        </p:txBody>
+      </p:sp>
+      <p:sp>
+        <p:nvSpPr>
+          <p:cNvPr id="23" name="文本框 22">
+            <a:extLst>
+              <a:ext uri="{FF2B5EF4-FFF2-40B4-BE49-F238E27FC236}">
+                <a16:creationId xmlns:a16="http://schemas.microsoft.com/office/drawing/2014/main" id="{311FFED2-3C15-40AF-9666-917A9ADF83BD}"/>
+              </a:ext>
+            </a:extLst>
+          </p:cNvPr>
+          <p:cNvSpPr txBox="1"/>
+          <p:nvPr/>
+        </p:nvSpPr>
+        <p:spPr>
+          <a:xfrm>
+            <a:off x="939567" y="3162650"/>
+            <a:ext cx="1082348" cy="307777"/>
+          </a:xfrm>
+          <a:prstGeom prst="rect">
+            <a:avLst/>
+          </a:prstGeom>
+          <a:noFill/>
+        </p:spPr>
+        <p:txBody>
+          <a:bodyPr wrap="none" rtlCol="0">
+            <a:spAutoFit/>
+          </a:bodyPr>
+          <a:lstStyle/>
+          <a:p>
+            <a:r>
+              <a:rPr lang="zh-CN" altLang="en-US" sz="1400" dirty="0"/>
+              <a:t>未进入循环</a:t>
+            </a:r>
+          </a:p>
+        </p:txBody>
+      </p:sp>
+      <p:sp>
+        <p:nvSpPr>
+          <p:cNvPr id="24" name="文本框 23">
+            <a:extLst>
+              <a:ext uri="{FF2B5EF4-FFF2-40B4-BE49-F238E27FC236}">
+                <a16:creationId xmlns:a16="http://schemas.microsoft.com/office/drawing/2014/main" id="{FCC0E5A0-2701-4ED4-A9C9-C7C33FAF24BB}"/>
+              </a:ext>
+            </a:extLst>
+          </p:cNvPr>
+          <p:cNvSpPr txBox="1"/>
+          <p:nvPr/>
+        </p:nvSpPr>
+        <p:spPr>
+          <a:xfrm>
+            <a:off x="4660534" y="3162648"/>
+            <a:ext cx="997389" cy="307777"/>
+          </a:xfrm>
+          <a:prstGeom prst="rect">
+            <a:avLst/>
+          </a:prstGeom>
+          <a:noFill/>
+        </p:spPr>
+        <p:txBody>
+          <a:bodyPr wrap="none" rtlCol="0">
+            <a:spAutoFit/>
+          </a:bodyPr>
+          <a:lstStyle/>
+          <a:p>
+            <a:r>
+              <a:rPr lang="zh-CN" altLang="en-US" sz="1400" dirty="0"/>
+              <a:t>循环</a:t>
+            </a:r>
+            <a:r>
+              <a:rPr lang="en-US" altLang="zh-CN" sz="1400" dirty="0"/>
+              <a:t>1</a:t>
+            </a:r>
+            <a:r>
+              <a:rPr lang="zh-CN" altLang="en-US" sz="1400" dirty="0"/>
+              <a:t>次后</a:t>
+            </a:r>
+          </a:p>
+        </p:txBody>
+      </p:sp>
+      <p:sp>
+        <p:nvSpPr>
+          <p:cNvPr id="25" name="文本框 24">
+            <a:extLst>
+              <a:ext uri="{FF2B5EF4-FFF2-40B4-BE49-F238E27FC236}">
+                <a16:creationId xmlns:a16="http://schemas.microsoft.com/office/drawing/2014/main" id="{9C0F57FC-7DE9-4D29-B795-0917758E9609}"/>
+              </a:ext>
+            </a:extLst>
+          </p:cNvPr>
+          <p:cNvSpPr txBox="1"/>
+          <p:nvPr/>
+        </p:nvSpPr>
+        <p:spPr>
+          <a:xfrm>
+            <a:off x="8370850" y="3171037"/>
+            <a:ext cx="997389" cy="307777"/>
+          </a:xfrm>
+          <a:prstGeom prst="rect">
+            <a:avLst/>
+          </a:prstGeom>
+          <a:noFill/>
+        </p:spPr>
+        <p:txBody>
+          <a:bodyPr wrap="none" rtlCol="0">
+            <a:spAutoFit/>
+          </a:bodyPr>
+          <a:lstStyle/>
+          <a:p>
+            <a:r>
+              <a:rPr lang="zh-CN" altLang="en-US" sz="1400" dirty="0"/>
+              <a:t>循环</a:t>
+            </a:r>
+            <a:r>
+              <a:rPr lang="en-US" altLang="zh-CN" sz="1400" dirty="0"/>
+              <a:t>2</a:t>
+            </a:r>
+            <a:r>
+              <a:rPr lang="zh-CN" altLang="en-US" sz="1400" dirty="0"/>
+              <a:t>次后</a:t>
+            </a:r>
+          </a:p>
+        </p:txBody>
+      </p:sp>
+      <p:graphicFrame>
+        <p:nvGraphicFramePr>
+          <p:cNvPr id="26" name="表格 25">
+            <a:extLst>
+              <a:ext uri="{FF2B5EF4-FFF2-40B4-BE49-F238E27FC236}">
+                <a16:creationId xmlns:a16="http://schemas.microsoft.com/office/drawing/2014/main" id="{D027419D-AEA0-467C-B776-593812DDC68D}"/>
+              </a:ext>
+            </a:extLst>
+          </p:cNvPr>
+          <p:cNvGraphicFramePr>
+            <a:graphicFrameLocks noGrp="1"/>
+          </p:cNvGraphicFramePr>
+          <p:nvPr>
+            <p:extLst>
+              <p:ext uri="{D42A27DB-BD31-4B8C-83A1-F6EECF244321}">
+                <p14:modId xmlns:p14="http://schemas.microsoft.com/office/powerpoint/2010/main" val="536577031"/>
+              </p:ext>
+            </p:extLst>
+          </p:nvPr>
+        </p:nvGraphicFramePr>
+        <p:xfrm>
+          <a:off x="555536" y="3913745"/>
+          <a:ext cx="1776604" cy="2194560"/>
+        </p:xfrm>
+        <a:graphic>
+          <a:graphicData uri="http://schemas.openxmlformats.org/drawingml/2006/table">
+            <a:tbl>
+              <a:tblPr firstRow="1" bandRow="1">
+                <a:tableStyleId>{5C22544A-7EE6-4342-B048-85BDC9FD1C3A}</a:tableStyleId>
+              </a:tblPr>
+              <a:tblGrid>
+                <a:gridCol w="888302">
+                  <a:extLst>
+                    <a:ext uri="{9D8B030D-6E8A-4147-A177-3AD203B41FA5}">
+                      <a16:colId xmlns:a16="http://schemas.microsoft.com/office/drawing/2014/main" val="1275399870"/>
+                    </a:ext>
+                  </a:extLst>
+                </a:gridCol>
+                <a:gridCol w="888302">
+                  <a:extLst>
+                    <a:ext uri="{9D8B030D-6E8A-4147-A177-3AD203B41FA5}">
+                      <a16:colId xmlns:a16="http://schemas.microsoft.com/office/drawing/2014/main" val="1604182782"/>
+                    </a:ext>
+                  </a:extLst>
+                </a:gridCol>
+              </a:tblGrid>
+              <a:tr h="359143">
+                <a:tc>
+                  <a:txBody>
+                    <a:bodyPr/>
+                    <a:lstStyle/>
+                    <a:p>
+                      <a:pPr algn="ctr"/>
+                      <a:r>
+                        <a:rPr lang="en-US" altLang="zh-CN" dirty="0"/>
+                        <a:t>N</a:t>
+                      </a:r>
+                    </a:p>
+                  </a:txBody>
+                  <a:tcPr/>
+                </a:tc>
+                <a:tc>
+                  <a:txBody>
+                    <a:bodyPr/>
+                    <a:lstStyle/>
+                    <a:p>
+                      <a:pPr algn="ctr"/>
+                      <a:r>
+                        <a:rPr lang="en-US" altLang="zh-CN" dirty="0"/>
+                        <a:t>F(N)</a:t>
+                      </a:r>
+                      <a:endParaRPr lang="zh-CN" altLang="en-US" dirty="0"/>
+                    </a:p>
+                  </a:txBody>
+                  <a:tcPr/>
+                </a:tc>
+                <a:extLst>
+                  <a:ext uri="{0D108BD9-81ED-4DB2-BD59-A6C34878D82A}">
+                    <a16:rowId xmlns:a16="http://schemas.microsoft.com/office/drawing/2014/main" val="2926948484"/>
+                  </a:ext>
+                </a:extLst>
+              </a:tr>
+              <a:tr h="359143">
+                <a:tc>
+                  <a:txBody>
+                    <a:bodyPr/>
+                    <a:lstStyle/>
+                    <a:p>
+                      <a:pPr algn="ctr"/>
+                      <a:r>
+                        <a:rPr lang="en-US" altLang="zh-CN" dirty="0"/>
+                        <a:t>0</a:t>
+                      </a:r>
+                      <a:endParaRPr lang="zh-CN" altLang="en-US" dirty="0"/>
+                    </a:p>
+                  </a:txBody>
+                  <a:tcPr/>
+                </a:tc>
+                <a:tc>
+                  <a:txBody>
+                    <a:bodyPr/>
+                    <a:lstStyle/>
+                    <a:p>
+                      <a:pPr algn="ctr"/>
+                      <a:r>
+                        <a:rPr lang="en-US" altLang="zh-CN" dirty="0"/>
+                        <a:t>1</a:t>
+                      </a:r>
+                      <a:endParaRPr lang="zh-CN" altLang="en-US" dirty="0"/>
+                    </a:p>
+                  </a:txBody>
+                  <a:tcPr/>
+                </a:tc>
+                <a:extLst>
+                  <a:ext uri="{0D108BD9-81ED-4DB2-BD59-A6C34878D82A}">
+                    <a16:rowId xmlns:a16="http://schemas.microsoft.com/office/drawing/2014/main" val="2158690441"/>
+                  </a:ext>
+                </a:extLst>
+              </a:tr>
+              <a:tr h="359143">
+                <a:tc>
+                  <a:txBody>
+                    <a:bodyPr/>
+                    <a:lstStyle/>
+                    <a:p>
+                      <a:pPr algn="ctr"/>
+                      <a:r>
+                        <a:rPr lang="en-US" altLang="zh-CN" dirty="0"/>
+                        <a:t>1</a:t>
+                      </a:r>
+                      <a:endParaRPr lang="zh-CN" altLang="en-US" dirty="0"/>
+                    </a:p>
+                  </a:txBody>
+                  <a:tcPr/>
+                </a:tc>
+                <a:tc>
+                  <a:txBody>
+                    <a:bodyPr/>
+                    <a:lstStyle/>
+                    <a:p>
+                      <a:pPr algn="ctr"/>
+                      <a:r>
+                        <a:rPr lang="en-US" altLang="zh-CN" dirty="0"/>
+                        <a:t>1</a:t>
+                      </a:r>
+                      <a:endParaRPr lang="zh-CN" altLang="en-US" dirty="0"/>
+                    </a:p>
+                  </a:txBody>
+                  <a:tcPr/>
+                </a:tc>
+                <a:extLst>
+                  <a:ext uri="{0D108BD9-81ED-4DB2-BD59-A6C34878D82A}">
+                    <a16:rowId xmlns:a16="http://schemas.microsoft.com/office/drawing/2014/main" val="3683482813"/>
+                  </a:ext>
+                </a:extLst>
+              </a:tr>
+              <a:tr h="359143">
+                <a:tc>
+                  <a:txBody>
+                    <a:bodyPr/>
+                    <a:lstStyle/>
+                    <a:p>
+                      <a:pPr algn="ctr"/>
+                      <a:r>
+                        <a:rPr lang="en-US" altLang="zh-CN" dirty="0"/>
+                        <a:t>2</a:t>
+                      </a:r>
+                      <a:endParaRPr lang="zh-CN" altLang="en-US" dirty="0"/>
+                    </a:p>
+                  </a:txBody>
+                  <a:tcPr/>
+                </a:tc>
+                <a:tc>
+                  <a:txBody>
+                    <a:bodyPr/>
+                    <a:lstStyle/>
+                    <a:p>
+                      <a:pPr algn="ctr"/>
+                      <a:r>
+                        <a:rPr lang="en-US" altLang="zh-CN" dirty="0"/>
+                        <a:t>2</a:t>
+                      </a:r>
+                      <a:endParaRPr lang="zh-CN" altLang="en-US" dirty="0"/>
+                    </a:p>
+                  </a:txBody>
+                  <a:tcPr/>
+                </a:tc>
+                <a:extLst>
+                  <a:ext uri="{0D108BD9-81ED-4DB2-BD59-A6C34878D82A}">
+                    <a16:rowId xmlns:a16="http://schemas.microsoft.com/office/drawing/2014/main" val="316509517"/>
+                  </a:ext>
+                </a:extLst>
+              </a:tr>
+              <a:tr h="359143">
+                <a:tc>
+                  <a:txBody>
+                    <a:bodyPr/>
+                    <a:lstStyle/>
+                    <a:p>
+                      <a:pPr algn="ctr"/>
+                      <a:r>
+                        <a:rPr lang="en-US" altLang="zh-CN" dirty="0"/>
+                        <a:t>3</a:t>
+                      </a:r>
+                      <a:endParaRPr lang="zh-CN" altLang="en-US" dirty="0"/>
+                    </a:p>
+                  </a:txBody>
+                  <a:tcPr/>
+                </a:tc>
+                <a:tc>
+                  <a:txBody>
+                    <a:bodyPr/>
+                    <a:lstStyle/>
+                    <a:p>
+                      <a:pPr algn="ctr"/>
+                      <a:r>
+                        <a:rPr lang="en-US" altLang="zh-CN" dirty="0"/>
+                        <a:t>3</a:t>
+                      </a:r>
+                      <a:endParaRPr lang="zh-CN" altLang="en-US" dirty="0"/>
+                    </a:p>
+                  </a:txBody>
+                  <a:tcPr/>
+                </a:tc>
+                <a:extLst>
+                  <a:ext uri="{0D108BD9-81ED-4DB2-BD59-A6C34878D82A}">
+                    <a16:rowId xmlns:a16="http://schemas.microsoft.com/office/drawing/2014/main" val="900184180"/>
+                  </a:ext>
+                </a:extLst>
+              </a:tr>
+              <a:tr h="359143">
+                <a:tc>
+                  <a:txBody>
+                    <a:bodyPr/>
+                    <a:lstStyle/>
+                    <a:p>
+                      <a:pPr algn="ctr"/>
+                      <a:r>
+                        <a:rPr lang="en-US" altLang="zh-CN" dirty="0"/>
+                        <a:t>4</a:t>
+                      </a:r>
+                      <a:endParaRPr lang="zh-CN" altLang="en-US" dirty="0"/>
+                    </a:p>
+                  </a:txBody>
+                  <a:tcPr/>
+                </a:tc>
+                <a:tc>
+                  <a:txBody>
+                    <a:bodyPr/>
+                    <a:lstStyle/>
+                    <a:p>
+                      <a:pPr algn="ctr"/>
+                      <a:r>
+                        <a:rPr lang="en-US" altLang="zh-CN" dirty="0"/>
+                        <a:t>5</a:t>
+                      </a:r>
+                      <a:endParaRPr lang="zh-CN" altLang="en-US" dirty="0"/>
+                    </a:p>
+                  </a:txBody>
+                  <a:tcPr/>
+                </a:tc>
+                <a:extLst>
+                  <a:ext uri="{0D108BD9-81ED-4DB2-BD59-A6C34878D82A}">
+                    <a16:rowId xmlns:a16="http://schemas.microsoft.com/office/drawing/2014/main" val="1919504973"/>
+                  </a:ext>
+                </a:extLst>
+              </a:tr>
+            </a:tbl>
+          </a:graphicData>
+        </a:graphic>
+      </p:graphicFrame>
+      <p:sp>
+        <p:nvSpPr>
+          <p:cNvPr id="27" name="箭头: 左 26">
+            <a:extLst>
+              <a:ext uri="{FF2B5EF4-FFF2-40B4-BE49-F238E27FC236}">
+                <a16:creationId xmlns:a16="http://schemas.microsoft.com/office/drawing/2014/main" id="{95CAD661-D41F-4925-B9D6-CAAED2B79C66}"/>
+              </a:ext>
+            </a:extLst>
+          </p:cNvPr>
+          <p:cNvSpPr/>
+          <p:nvPr/>
+        </p:nvSpPr>
+        <p:spPr>
+          <a:xfrm>
+            <a:off x="2413676" y="5507584"/>
+            <a:ext cx="388458" cy="125834"/>
+          </a:xfrm>
+          <a:prstGeom prst="leftArrow">
+            <a:avLst/>
+          </a:prstGeom>
+        </p:spPr>
+        <p:style>
+          <a:lnRef idx="2">
+            <a:schemeClr val="accent1">
+              <a:shade val="50000"/>
+            </a:schemeClr>
+          </a:lnRef>
+          <a:fillRef idx="1">
+            <a:schemeClr val="accent1"/>
+          </a:fillRef>
+          <a:effectRef idx="0">
+            <a:schemeClr val="accent1"/>
+          </a:effectRef>
+          <a:fontRef idx="minor">
+            <a:schemeClr val="lt1"/>
+          </a:fontRef>
+        </p:style>
+        <p:txBody>
+          <a:bodyPr rtlCol="0" anchor="ctr"/>
+          <a:lstStyle/>
+          <a:p>
+            <a:pPr algn="ctr"/>
+            <a:endParaRPr lang="zh-CN" altLang="en-US"/>
+          </a:p>
+        </p:txBody>
+      </p:sp>
+      <p:sp>
+        <p:nvSpPr>
+          <p:cNvPr id="28" name="文本框 27">
+            <a:extLst>
+              <a:ext uri="{FF2B5EF4-FFF2-40B4-BE49-F238E27FC236}">
+                <a16:creationId xmlns:a16="http://schemas.microsoft.com/office/drawing/2014/main" id="{766FE697-8448-4A34-9764-615EFF1F9D5F}"/>
+              </a:ext>
+            </a:extLst>
+          </p:cNvPr>
+          <p:cNvSpPr txBox="1"/>
+          <p:nvPr/>
+        </p:nvSpPr>
+        <p:spPr>
+          <a:xfrm>
+            <a:off x="2802134" y="5385835"/>
+            <a:ext cx="550151" cy="338554"/>
+          </a:xfrm>
+          <a:prstGeom prst="rect">
+            <a:avLst/>
+          </a:prstGeom>
+          <a:noFill/>
+        </p:spPr>
+        <p:txBody>
+          <a:bodyPr wrap="square" rtlCol="0">
+            <a:spAutoFit/>
+          </a:bodyPr>
+          <a:lstStyle/>
+          <a:p>
+            <a:r>
+              <a:rPr lang="en-US" altLang="zh-CN" sz="1600" dirty="0"/>
+              <a:t>first</a:t>
+            </a:r>
+            <a:endParaRPr lang="zh-CN" altLang="en-US" sz="1600" dirty="0"/>
+          </a:p>
+        </p:txBody>
+      </p:sp>
+      <p:sp>
+        <p:nvSpPr>
+          <p:cNvPr id="29" name="箭头: 左 28">
+            <a:extLst>
+              <a:ext uri="{FF2B5EF4-FFF2-40B4-BE49-F238E27FC236}">
+                <a16:creationId xmlns:a16="http://schemas.microsoft.com/office/drawing/2014/main" id="{7EE45366-5D6F-43B6-BC64-124158498ADA}"/>
+              </a:ext>
+            </a:extLst>
+          </p:cNvPr>
+          <p:cNvSpPr/>
+          <p:nvPr/>
+        </p:nvSpPr>
+        <p:spPr>
+          <a:xfrm>
+            <a:off x="2415074" y="5869709"/>
+            <a:ext cx="388458" cy="125834"/>
+          </a:xfrm>
+          <a:prstGeom prst="leftArrow">
+            <a:avLst/>
+          </a:prstGeom>
+        </p:spPr>
+        <p:style>
+          <a:lnRef idx="2">
+            <a:schemeClr val="accent1">
+              <a:shade val="50000"/>
+            </a:schemeClr>
+          </a:lnRef>
+          <a:fillRef idx="1">
+            <a:schemeClr val="accent1"/>
+          </a:fillRef>
+          <a:effectRef idx="0">
+            <a:schemeClr val="accent1"/>
+          </a:effectRef>
+          <a:fontRef idx="minor">
+            <a:schemeClr val="lt1"/>
+          </a:fontRef>
+        </p:style>
+        <p:txBody>
+          <a:bodyPr rtlCol="0" anchor="ctr"/>
+          <a:lstStyle/>
+          <a:p>
+            <a:pPr algn="ctr"/>
+            <a:endParaRPr lang="zh-CN" altLang="en-US"/>
+          </a:p>
+        </p:txBody>
+      </p:sp>
+      <p:sp>
+        <p:nvSpPr>
+          <p:cNvPr id="30" name="文本框 29">
+            <a:extLst>
+              <a:ext uri="{FF2B5EF4-FFF2-40B4-BE49-F238E27FC236}">
+                <a16:creationId xmlns:a16="http://schemas.microsoft.com/office/drawing/2014/main" id="{C3832715-58DD-47BA-9D8E-1CC7E387B1BE}"/>
+              </a:ext>
+            </a:extLst>
+          </p:cNvPr>
+          <p:cNvSpPr txBox="1"/>
+          <p:nvPr/>
+        </p:nvSpPr>
+        <p:spPr>
+          <a:xfrm>
+            <a:off x="2812852" y="5724389"/>
+            <a:ext cx="1538445" cy="338554"/>
+          </a:xfrm>
+          <a:prstGeom prst="rect">
+            <a:avLst/>
+          </a:prstGeom>
+          <a:noFill/>
+        </p:spPr>
+        <p:txBody>
+          <a:bodyPr wrap="square" rtlCol="0">
+            <a:spAutoFit/>
+          </a:bodyPr>
+          <a:lstStyle/>
+          <a:p>
+            <a:r>
+              <a:rPr lang="en-US" altLang="zh-CN" sz="1600" dirty="0"/>
+              <a:t>second, sum</a:t>
+            </a:r>
+            <a:endParaRPr lang="zh-CN" altLang="en-US" sz="1600" dirty="0"/>
+          </a:p>
+        </p:txBody>
+      </p:sp>
+      <p:sp>
+        <p:nvSpPr>
+          <p:cNvPr id="31" name="文本框 30">
+            <a:extLst>
+              <a:ext uri="{FF2B5EF4-FFF2-40B4-BE49-F238E27FC236}">
+                <a16:creationId xmlns:a16="http://schemas.microsoft.com/office/drawing/2014/main" id="{8DA336F5-6563-4FD0-99BD-9F4233016F2B}"/>
+              </a:ext>
+            </a:extLst>
+          </p:cNvPr>
+          <p:cNvSpPr txBox="1"/>
+          <p:nvPr/>
+        </p:nvSpPr>
+        <p:spPr>
+          <a:xfrm>
+            <a:off x="982046" y="6221845"/>
+            <a:ext cx="997389" cy="307777"/>
+          </a:xfrm>
+          <a:prstGeom prst="rect">
+            <a:avLst/>
+          </a:prstGeom>
+          <a:noFill/>
+        </p:spPr>
+        <p:txBody>
+          <a:bodyPr wrap="none" rtlCol="0">
+            <a:spAutoFit/>
+          </a:bodyPr>
+          <a:lstStyle/>
+          <a:p>
+            <a:r>
+              <a:rPr lang="zh-CN" altLang="en-US" sz="1400" dirty="0"/>
+              <a:t>循环</a:t>
+            </a:r>
+            <a:r>
+              <a:rPr lang="en-US" altLang="zh-CN" sz="1400" dirty="0"/>
+              <a:t>3</a:t>
+            </a:r>
+            <a:r>
+              <a:rPr lang="zh-CN" altLang="en-US" sz="1400" dirty="0"/>
+              <a:t>次后</a:t>
+            </a:r>
+          </a:p>
+        </p:txBody>
+      </p:sp>
+      <p:sp>
+        <p:nvSpPr>
+          <p:cNvPr id="32" name="文本框 31">
+            <a:extLst>
+              <a:ext uri="{FF2B5EF4-FFF2-40B4-BE49-F238E27FC236}">
+                <a16:creationId xmlns:a16="http://schemas.microsoft.com/office/drawing/2014/main" id="{CCBC0346-5FC6-4CA9-9490-6DA11D351B4F}"/>
+              </a:ext>
+            </a:extLst>
+          </p:cNvPr>
+          <p:cNvSpPr txBox="1"/>
+          <p:nvPr/>
+        </p:nvSpPr>
+        <p:spPr>
+          <a:xfrm>
+            <a:off x="555536" y="259586"/>
+            <a:ext cx="1547218" cy="307777"/>
+          </a:xfrm>
+          <a:prstGeom prst="rect">
+            <a:avLst/>
+          </a:prstGeom>
+          <a:noFill/>
+        </p:spPr>
+        <p:txBody>
+          <a:bodyPr wrap="none" rtlCol="0">
+            <a:spAutoFit/>
+          </a:bodyPr>
+          <a:lstStyle/>
+          <a:p>
+            <a:r>
+              <a:rPr lang="zh-CN" altLang="en-US" sz="1400" dirty="0"/>
+              <a:t>以求解</a:t>
+            </a:r>
+            <a:r>
+              <a:rPr lang="en-US" altLang="zh-CN" sz="1400" dirty="0"/>
+              <a:t>F(4)</a:t>
+            </a:r>
+            <a:r>
+              <a:rPr lang="zh-CN" altLang="en-US" sz="1400" dirty="0"/>
+              <a:t>为例：</a:t>
+            </a:r>
+          </a:p>
+        </p:txBody>
+      </p:sp>
+      <p:graphicFrame>
+        <p:nvGraphicFramePr>
+          <p:cNvPr id="33" name="表格 32">
+            <a:extLst>
+              <a:ext uri="{FF2B5EF4-FFF2-40B4-BE49-F238E27FC236}">
+                <a16:creationId xmlns:a16="http://schemas.microsoft.com/office/drawing/2014/main" id="{ADA30142-C092-4677-B1F0-4A77F1F2013C}"/>
+              </a:ext>
+            </a:extLst>
+          </p:cNvPr>
+          <p:cNvGraphicFramePr>
+            <a:graphicFrameLocks noGrp="1"/>
+          </p:cNvGraphicFramePr>
+          <p:nvPr>
+            <p:extLst>
+              <p:ext uri="{D42A27DB-BD31-4B8C-83A1-F6EECF244321}">
+                <p14:modId xmlns:p14="http://schemas.microsoft.com/office/powerpoint/2010/main" val="4071032214"/>
+              </p:ext>
+            </p:extLst>
+          </p:nvPr>
+        </p:nvGraphicFramePr>
+        <p:xfrm>
+          <a:off x="4274421" y="3913745"/>
+          <a:ext cx="1776604" cy="2194560"/>
+        </p:xfrm>
+        <a:graphic>
+          <a:graphicData uri="http://schemas.openxmlformats.org/drawingml/2006/table">
+            <a:tbl>
+              <a:tblPr firstRow="1" bandRow="1">
+                <a:tableStyleId>{5C22544A-7EE6-4342-B048-85BDC9FD1C3A}</a:tableStyleId>
+              </a:tblPr>
+              <a:tblGrid>
+                <a:gridCol w="888302">
+                  <a:extLst>
+                    <a:ext uri="{9D8B030D-6E8A-4147-A177-3AD203B41FA5}">
+                      <a16:colId xmlns:a16="http://schemas.microsoft.com/office/drawing/2014/main" val="1275399870"/>
+                    </a:ext>
+                  </a:extLst>
+                </a:gridCol>
+                <a:gridCol w="888302">
+                  <a:extLst>
+                    <a:ext uri="{9D8B030D-6E8A-4147-A177-3AD203B41FA5}">
+                      <a16:colId xmlns:a16="http://schemas.microsoft.com/office/drawing/2014/main" val="1604182782"/>
+                    </a:ext>
+                  </a:extLst>
+                </a:gridCol>
+              </a:tblGrid>
+              <a:tr h="359143">
+                <a:tc>
+                  <a:txBody>
+                    <a:bodyPr/>
+                    <a:lstStyle/>
+                    <a:p>
+                      <a:pPr algn="ctr"/>
+                      <a:r>
+                        <a:rPr lang="en-US" altLang="zh-CN" dirty="0"/>
+                        <a:t>N</a:t>
+                      </a:r>
+                    </a:p>
+                  </a:txBody>
+                  <a:tcPr/>
+                </a:tc>
+                <a:tc>
+                  <a:txBody>
+                    <a:bodyPr/>
+                    <a:lstStyle/>
+                    <a:p>
+                      <a:pPr algn="ctr"/>
+                      <a:r>
+                        <a:rPr lang="en-US" altLang="zh-CN" dirty="0"/>
+                        <a:t>F(N)</a:t>
+                      </a:r>
+                      <a:endParaRPr lang="zh-CN" altLang="en-US" dirty="0"/>
+                    </a:p>
+                  </a:txBody>
+                  <a:tcPr/>
+                </a:tc>
+                <a:extLst>
+                  <a:ext uri="{0D108BD9-81ED-4DB2-BD59-A6C34878D82A}">
+                    <a16:rowId xmlns:a16="http://schemas.microsoft.com/office/drawing/2014/main" val="2926948484"/>
+                  </a:ext>
+                </a:extLst>
+              </a:tr>
+              <a:tr h="359143">
+                <a:tc>
+                  <a:txBody>
+                    <a:bodyPr/>
+                    <a:lstStyle/>
+                    <a:p>
+                      <a:pPr algn="ctr"/>
+                      <a:r>
+                        <a:rPr lang="en-US" altLang="zh-CN" dirty="0"/>
+                        <a:t>0</a:t>
+                      </a:r>
+                      <a:endParaRPr lang="zh-CN" altLang="en-US" dirty="0"/>
+                    </a:p>
+                  </a:txBody>
+                  <a:tcPr/>
+                </a:tc>
+                <a:tc>
+                  <a:txBody>
+                    <a:bodyPr/>
+                    <a:lstStyle/>
+                    <a:p>
+                      <a:pPr algn="ctr"/>
+                      <a:r>
+                        <a:rPr lang="en-US" altLang="zh-CN" dirty="0"/>
+                        <a:t>1</a:t>
+                      </a:r>
+                      <a:endParaRPr lang="zh-CN" altLang="en-US" dirty="0"/>
+                    </a:p>
+                  </a:txBody>
+                  <a:tcPr/>
+                </a:tc>
+                <a:extLst>
+                  <a:ext uri="{0D108BD9-81ED-4DB2-BD59-A6C34878D82A}">
+                    <a16:rowId xmlns:a16="http://schemas.microsoft.com/office/drawing/2014/main" val="2158690441"/>
+                  </a:ext>
+                </a:extLst>
+              </a:tr>
+              <a:tr h="359143">
+                <a:tc>
+                  <a:txBody>
+                    <a:bodyPr/>
+                    <a:lstStyle/>
+                    <a:p>
+                      <a:pPr algn="ctr"/>
+                      <a:r>
+                        <a:rPr lang="en-US" altLang="zh-CN" dirty="0"/>
+                        <a:t>1</a:t>
+                      </a:r>
+                      <a:endParaRPr lang="zh-CN" altLang="en-US" dirty="0"/>
+                    </a:p>
+                  </a:txBody>
+                  <a:tcPr/>
+                </a:tc>
+                <a:tc>
+                  <a:txBody>
+                    <a:bodyPr/>
+                    <a:lstStyle/>
+                    <a:p>
+                      <a:pPr algn="ctr"/>
+                      <a:r>
+                        <a:rPr lang="en-US" altLang="zh-CN" dirty="0"/>
+                        <a:t>1</a:t>
+                      </a:r>
+                      <a:endParaRPr lang="zh-CN" altLang="en-US" dirty="0"/>
+                    </a:p>
+                  </a:txBody>
+                  <a:tcPr/>
+                </a:tc>
+                <a:extLst>
+                  <a:ext uri="{0D108BD9-81ED-4DB2-BD59-A6C34878D82A}">
+                    <a16:rowId xmlns:a16="http://schemas.microsoft.com/office/drawing/2014/main" val="3683482813"/>
+                  </a:ext>
+                </a:extLst>
+              </a:tr>
+              <a:tr h="359143">
+                <a:tc>
+                  <a:txBody>
+                    <a:bodyPr/>
+                    <a:lstStyle/>
+                    <a:p>
+                      <a:pPr algn="ctr"/>
+                      <a:r>
+                        <a:rPr lang="en-US" altLang="zh-CN" dirty="0"/>
+                        <a:t>2</a:t>
+                      </a:r>
+                      <a:endParaRPr lang="zh-CN" altLang="en-US" dirty="0"/>
+                    </a:p>
+                  </a:txBody>
+                  <a:tcPr/>
+                </a:tc>
+                <a:tc>
+                  <a:txBody>
+                    <a:bodyPr/>
+                    <a:lstStyle/>
+                    <a:p>
+                      <a:pPr algn="ctr"/>
+                      <a:r>
+                        <a:rPr lang="en-US" altLang="zh-CN" dirty="0"/>
+                        <a:t>2</a:t>
+                      </a:r>
+                      <a:endParaRPr lang="zh-CN" altLang="en-US" dirty="0"/>
+                    </a:p>
+                  </a:txBody>
+                  <a:tcPr/>
+                </a:tc>
+                <a:extLst>
+                  <a:ext uri="{0D108BD9-81ED-4DB2-BD59-A6C34878D82A}">
+                    <a16:rowId xmlns:a16="http://schemas.microsoft.com/office/drawing/2014/main" val="316509517"/>
+                  </a:ext>
+                </a:extLst>
+              </a:tr>
+              <a:tr h="359143">
+                <a:tc>
+                  <a:txBody>
+                    <a:bodyPr/>
+                    <a:lstStyle/>
+                    <a:p>
+                      <a:pPr algn="ctr"/>
+                      <a:r>
+                        <a:rPr lang="en-US" altLang="zh-CN" dirty="0"/>
+                        <a:t>3</a:t>
+                      </a:r>
+                      <a:endParaRPr lang="zh-CN" altLang="en-US" dirty="0"/>
+                    </a:p>
+                  </a:txBody>
+                  <a:tcPr/>
+                </a:tc>
+                <a:tc>
+                  <a:txBody>
+                    <a:bodyPr/>
+                    <a:lstStyle/>
+                    <a:p>
+                      <a:pPr algn="ctr"/>
+                      <a:r>
+                        <a:rPr lang="en-US" altLang="zh-CN" dirty="0"/>
+                        <a:t>3</a:t>
+                      </a:r>
+                      <a:endParaRPr lang="zh-CN" altLang="en-US" dirty="0"/>
+                    </a:p>
+                  </a:txBody>
+                  <a:tcPr/>
+                </a:tc>
+                <a:extLst>
+                  <a:ext uri="{0D108BD9-81ED-4DB2-BD59-A6C34878D82A}">
+                    <a16:rowId xmlns:a16="http://schemas.microsoft.com/office/drawing/2014/main" val="900184180"/>
+                  </a:ext>
+                </a:extLst>
+              </a:tr>
+              <a:tr h="359143">
+                <a:tc>
+                  <a:txBody>
+                    <a:bodyPr/>
+                    <a:lstStyle/>
+                    <a:p>
+                      <a:pPr algn="ctr"/>
+                      <a:r>
+                        <a:rPr lang="en-US" altLang="zh-CN" dirty="0"/>
+                        <a:t>4</a:t>
+                      </a:r>
+                      <a:endParaRPr lang="zh-CN" altLang="en-US" dirty="0"/>
+                    </a:p>
+                  </a:txBody>
+                  <a:tcPr/>
+                </a:tc>
+                <a:tc>
+                  <a:txBody>
+                    <a:bodyPr/>
+                    <a:lstStyle/>
+                    <a:p>
+                      <a:pPr algn="ctr"/>
+                      <a:r>
+                        <a:rPr lang="en-US" altLang="zh-CN" dirty="0"/>
+                        <a:t>5</a:t>
+                      </a:r>
+                      <a:endParaRPr lang="zh-CN" altLang="en-US" dirty="0"/>
+                    </a:p>
+                  </a:txBody>
+                  <a:tcPr/>
+                </a:tc>
+                <a:extLst>
+                  <a:ext uri="{0D108BD9-81ED-4DB2-BD59-A6C34878D82A}">
+                    <a16:rowId xmlns:a16="http://schemas.microsoft.com/office/drawing/2014/main" val="1919504973"/>
+                  </a:ext>
+                </a:extLst>
+              </a:tr>
+            </a:tbl>
+          </a:graphicData>
+        </a:graphic>
+      </p:graphicFrame>
+      <p:sp>
+        <p:nvSpPr>
+          <p:cNvPr id="34" name="箭头: 左 33">
+            <a:extLst>
+              <a:ext uri="{FF2B5EF4-FFF2-40B4-BE49-F238E27FC236}">
+                <a16:creationId xmlns:a16="http://schemas.microsoft.com/office/drawing/2014/main" id="{99080FC6-225F-4FDB-B2EE-51457CA336EB}"/>
+              </a:ext>
+            </a:extLst>
+          </p:cNvPr>
+          <p:cNvSpPr/>
+          <p:nvPr/>
+        </p:nvSpPr>
+        <p:spPr>
+          <a:xfrm>
+            <a:off x="6132561" y="5891500"/>
+            <a:ext cx="388458" cy="125834"/>
+          </a:xfrm>
+          <a:prstGeom prst="leftArrow">
+            <a:avLst/>
+          </a:prstGeom>
+        </p:spPr>
+        <p:style>
+          <a:lnRef idx="2">
+            <a:schemeClr val="accent1">
+              <a:shade val="50000"/>
+            </a:schemeClr>
+          </a:lnRef>
+          <a:fillRef idx="1">
+            <a:schemeClr val="accent1"/>
+          </a:fillRef>
+          <a:effectRef idx="0">
+            <a:schemeClr val="accent1"/>
+          </a:effectRef>
+          <a:fontRef idx="minor">
+            <a:schemeClr val="lt1"/>
+          </a:fontRef>
+        </p:style>
+        <p:txBody>
+          <a:bodyPr rtlCol="0" anchor="ctr"/>
+          <a:lstStyle/>
+          <a:p>
+            <a:pPr algn="ctr"/>
+            <a:endParaRPr lang="zh-CN" altLang="en-US"/>
+          </a:p>
+        </p:txBody>
+      </p:sp>
+      <p:sp>
+        <p:nvSpPr>
+          <p:cNvPr id="35" name="文本框 34">
+            <a:extLst>
+              <a:ext uri="{FF2B5EF4-FFF2-40B4-BE49-F238E27FC236}">
+                <a16:creationId xmlns:a16="http://schemas.microsoft.com/office/drawing/2014/main" id="{742E11CE-9409-4512-A970-EE1E8190436C}"/>
+              </a:ext>
+            </a:extLst>
+          </p:cNvPr>
+          <p:cNvSpPr txBox="1"/>
+          <p:nvPr/>
+        </p:nvSpPr>
+        <p:spPr>
+          <a:xfrm>
+            <a:off x="6521019" y="5769751"/>
+            <a:ext cx="550151" cy="338554"/>
+          </a:xfrm>
+          <a:prstGeom prst="rect">
+            <a:avLst/>
+          </a:prstGeom>
+          <a:noFill/>
+        </p:spPr>
+        <p:txBody>
+          <a:bodyPr wrap="square" rtlCol="0">
+            <a:spAutoFit/>
+          </a:bodyPr>
+          <a:lstStyle/>
+          <a:p>
+            <a:r>
+              <a:rPr lang="en-US" altLang="zh-CN" sz="1600" dirty="0"/>
+              <a:t>first</a:t>
+            </a:r>
+            <a:endParaRPr lang="zh-CN" altLang="en-US" sz="1600" dirty="0"/>
+          </a:p>
+        </p:txBody>
+      </p:sp>
+      <p:sp>
+        <p:nvSpPr>
+          <p:cNvPr id="36" name="箭头: 左 35">
+            <a:extLst>
+              <a:ext uri="{FF2B5EF4-FFF2-40B4-BE49-F238E27FC236}">
+                <a16:creationId xmlns:a16="http://schemas.microsoft.com/office/drawing/2014/main" id="{429AB3BD-FF6E-4EEA-8DD2-3937100BFC29}"/>
+              </a:ext>
+            </a:extLst>
+          </p:cNvPr>
+          <p:cNvSpPr/>
+          <p:nvPr/>
+        </p:nvSpPr>
+        <p:spPr>
+          <a:xfrm>
+            <a:off x="6133959" y="6253625"/>
+            <a:ext cx="388458" cy="125834"/>
+          </a:xfrm>
+          <a:prstGeom prst="leftArrow">
+            <a:avLst/>
+          </a:prstGeom>
+        </p:spPr>
+        <p:style>
+          <a:lnRef idx="2">
+            <a:schemeClr val="accent1">
+              <a:shade val="50000"/>
+            </a:schemeClr>
+          </a:lnRef>
+          <a:fillRef idx="1">
+            <a:schemeClr val="accent1"/>
+          </a:fillRef>
+          <a:effectRef idx="0">
+            <a:schemeClr val="accent1"/>
+          </a:effectRef>
+          <a:fontRef idx="minor">
+            <a:schemeClr val="lt1"/>
+          </a:fontRef>
+        </p:style>
+        <p:txBody>
+          <a:bodyPr rtlCol="0" anchor="ctr"/>
+          <a:lstStyle/>
+          <a:p>
+            <a:pPr algn="ctr"/>
+            <a:endParaRPr lang="zh-CN" altLang="en-US"/>
+          </a:p>
+        </p:txBody>
+      </p:sp>
+      <p:sp>
+        <p:nvSpPr>
+          <p:cNvPr id="37" name="文本框 36">
+            <a:extLst>
+              <a:ext uri="{FF2B5EF4-FFF2-40B4-BE49-F238E27FC236}">
+                <a16:creationId xmlns:a16="http://schemas.microsoft.com/office/drawing/2014/main" id="{E92328BF-1B39-4865-86AF-FFF7ABF38562}"/>
+              </a:ext>
+            </a:extLst>
+          </p:cNvPr>
+          <p:cNvSpPr txBox="1"/>
+          <p:nvPr/>
+        </p:nvSpPr>
+        <p:spPr>
+          <a:xfrm>
+            <a:off x="6531737" y="6108305"/>
+            <a:ext cx="1538445" cy="338554"/>
+          </a:xfrm>
+          <a:prstGeom prst="rect">
+            <a:avLst/>
+          </a:prstGeom>
+          <a:noFill/>
+        </p:spPr>
+        <p:txBody>
+          <a:bodyPr wrap="square" rtlCol="0">
+            <a:spAutoFit/>
+          </a:bodyPr>
+          <a:lstStyle/>
+          <a:p>
+            <a:r>
+              <a:rPr lang="en-US" altLang="zh-CN" sz="1600" dirty="0"/>
+              <a:t>second, sum</a:t>
+            </a:r>
+            <a:endParaRPr lang="zh-CN" altLang="en-US" sz="1600" dirty="0"/>
+          </a:p>
+        </p:txBody>
+      </p:sp>
+      <p:sp>
+        <p:nvSpPr>
+          <p:cNvPr id="38" name="文本框 37">
+            <a:extLst>
+              <a:ext uri="{FF2B5EF4-FFF2-40B4-BE49-F238E27FC236}">
+                <a16:creationId xmlns:a16="http://schemas.microsoft.com/office/drawing/2014/main" id="{9E381179-BBA6-4E03-9726-90F8E4D737E7}"/>
+              </a:ext>
+            </a:extLst>
+          </p:cNvPr>
+          <p:cNvSpPr txBox="1"/>
+          <p:nvPr/>
+        </p:nvSpPr>
+        <p:spPr>
+          <a:xfrm>
+            <a:off x="4660534" y="6219059"/>
+            <a:ext cx="997389" cy="307777"/>
+          </a:xfrm>
+          <a:prstGeom prst="rect">
+            <a:avLst/>
+          </a:prstGeom>
+          <a:noFill/>
+        </p:spPr>
+        <p:txBody>
+          <a:bodyPr wrap="none" rtlCol="0">
+            <a:spAutoFit/>
+          </a:bodyPr>
+          <a:lstStyle/>
+          <a:p>
+            <a:r>
+              <a:rPr lang="zh-CN" altLang="en-US" sz="1400" dirty="0"/>
+              <a:t>循环</a:t>
+            </a:r>
+            <a:r>
+              <a:rPr lang="en-US" altLang="zh-CN" sz="1400" dirty="0"/>
+              <a:t>4</a:t>
+            </a:r>
+            <a:r>
+              <a:rPr lang="zh-CN" altLang="en-US" sz="1400" dirty="0"/>
+              <a:t>次后</a:t>
+            </a:r>
+          </a:p>
+        </p:txBody>
+      </p:sp>
+    </p:spTree>
+    <p:extLst>
+      <p:ext uri="{BB962C8B-B14F-4D97-AF65-F5344CB8AC3E}">
+        <p14:creationId xmlns:p14="http://schemas.microsoft.com/office/powerpoint/2010/main" val="2165342537"/>
+      </p:ext>
+    </p:extLst>
+  </p:cSld>
+  <p:clrMapOvr>
+    <a:masterClrMapping/>
+  </p:clrMapOvr>
+</p:sld>
+</file>
+
 <file path=ppt/theme/theme1.xml><?xml version="1.0" encoding="utf-8"?>
 <a:theme xmlns:a="http://schemas.openxmlformats.org/drawingml/2006/main" name="Office 主题​​">
   <a:themeElements>

--- a/img/剑指Offer.pptx
+++ b/img/剑指Offer.pptx
@@ -7,6 +7,8 @@
   <p:sldIdLst>
     <p:sldId id="256" r:id="rId2"/>
     <p:sldId id="257" r:id="rId3"/>
+    <p:sldId id="258" r:id="rId4"/>
+    <p:sldId id="259" r:id="rId5"/>
   </p:sldIdLst>
   <p:sldSz cx="12192000" cy="6858000"/>
   <p:notesSz cx="6858000" cy="9144000"/>
@@ -260,7 +262,7 @@
           <a:p>
             <a:fld id="{89200E72-4878-48D2-9700-6ECB5CA76402}" type="datetimeFigureOut">
               <a:rPr lang="zh-CN" altLang="en-US" smtClean="0"/>
-              <a:t>2022/8/23</a:t>
+              <a:t>2022/8/24</a:t>
             </a:fld>
             <a:endParaRPr lang="zh-CN" altLang="en-US"/>
           </a:p>
@@ -458,7 +460,7 @@
           <a:p>
             <a:fld id="{89200E72-4878-48D2-9700-6ECB5CA76402}" type="datetimeFigureOut">
               <a:rPr lang="zh-CN" altLang="en-US" smtClean="0"/>
-              <a:t>2022/8/23</a:t>
+              <a:t>2022/8/24</a:t>
             </a:fld>
             <a:endParaRPr lang="zh-CN" altLang="en-US"/>
           </a:p>
@@ -666,7 +668,7 @@
           <a:p>
             <a:fld id="{89200E72-4878-48D2-9700-6ECB5CA76402}" type="datetimeFigureOut">
               <a:rPr lang="zh-CN" altLang="en-US" smtClean="0"/>
-              <a:t>2022/8/23</a:t>
+              <a:t>2022/8/24</a:t>
             </a:fld>
             <a:endParaRPr lang="zh-CN" altLang="en-US"/>
           </a:p>
@@ -864,7 +866,7 @@
           <a:p>
             <a:fld id="{89200E72-4878-48D2-9700-6ECB5CA76402}" type="datetimeFigureOut">
               <a:rPr lang="zh-CN" altLang="en-US" smtClean="0"/>
-              <a:t>2022/8/23</a:t>
+              <a:t>2022/8/24</a:t>
             </a:fld>
             <a:endParaRPr lang="zh-CN" altLang="en-US"/>
           </a:p>
@@ -1139,7 +1141,7 @@
           <a:p>
             <a:fld id="{89200E72-4878-48D2-9700-6ECB5CA76402}" type="datetimeFigureOut">
               <a:rPr lang="zh-CN" altLang="en-US" smtClean="0"/>
-              <a:t>2022/8/23</a:t>
+              <a:t>2022/8/24</a:t>
             </a:fld>
             <a:endParaRPr lang="zh-CN" altLang="en-US"/>
           </a:p>
@@ -1404,7 +1406,7 @@
           <a:p>
             <a:fld id="{89200E72-4878-48D2-9700-6ECB5CA76402}" type="datetimeFigureOut">
               <a:rPr lang="zh-CN" altLang="en-US" smtClean="0"/>
-              <a:t>2022/8/23</a:t>
+              <a:t>2022/8/24</a:t>
             </a:fld>
             <a:endParaRPr lang="zh-CN" altLang="en-US"/>
           </a:p>
@@ -1816,7 +1818,7 @@
           <a:p>
             <a:fld id="{89200E72-4878-48D2-9700-6ECB5CA76402}" type="datetimeFigureOut">
               <a:rPr lang="zh-CN" altLang="en-US" smtClean="0"/>
-              <a:t>2022/8/23</a:t>
+              <a:t>2022/8/24</a:t>
             </a:fld>
             <a:endParaRPr lang="zh-CN" altLang="en-US"/>
           </a:p>
@@ -1957,7 +1959,7 @@
           <a:p>
             <a:fld id="{89200E72-4878-48D2-9700-6ECB5CA76402}" type="datetimeFigureOut">
               <a:rPr lang="zh-CN" altLang="en-US" smtClean="0"/>
-              <a:t>2022/8/23</a:t>
+              <a:t>2022/8/24</a:t>
             </a:fld>
             <a:endParaRPr lang="zh-CN" altLang="en-US"/>
           </a:p>
@@ -2070,7 +2072,7 @@
           <a:p>
             <a:fld id="{89200E72-4878-48D2-9700-6ECB5CA76402}" type="datetimeFigureOut">
               <a:rPr lang="zh-CN" altLang="en-US" smtClean="0"/>
-              <a:t>2022/8/23</a:t>
+              <a:t>2022/8/24</a:t>
             </a:fld>
             <a:endParaRPr lang="zh-CN" altLang="en-US"/>
           </a:p>
@@ -2381,7 +2383,7 @@
           <a:p>
             <a:fld id="{89200E72-4878-48D2-9700-6ECB5CA76402}" type="datetimeFigureOut">
               <a:rPr lang="zh-CN" altLang="en-US" smtClean="0"/>
-              <a:t>2022/8/23</a:t>
+              <a:t>2022/8/24</a:t>
             </a:fld>
             <a:endParaRPr lang="zh-CN" altLang="en-US"/>
           </a:p>
@@ -2669,7 +2671,7 @@
           <a:p>
             <a:fld id="{89200E72-4878-48D2-9700-6ECB5CA76402}" type="datetimeFigureOut">
               <a:rPr lang="zh-CN" altLang="en-US" smtClean="0"/>
-              <a:t>2022/8/23</a:t>
+              <a:t>2022/8/24</a:t>
             </a:fld>
             <a:endParaRPr lang="zh-CN" altLang="en-US"/>
           </a:p>
@@ -2910,7 +2912,7 @@
           <a:p>
             <a:fld id="{89200E72-4878-48D2-9700-6ECB5CA76402}" type="datetimeFigureOut">
               <a:rPr lang="zh-CN" altLang="en-US" smtClean="0"/>
-              <a:t>2022/8/23</a:t>
+              <a:t>2022/8/24</a:t>
             </a:fld>
             <a:endParaRPr lang="zh-CN" altLang="en-US"/>
           </a:p>
@@ -8100,6 +8102,1002 @@
 </p:sld>
 </file>
 
+<file path=ppt/slides/slide3.xml><?xml version="1.0" encoding="utf-8"?>
+<p:sld xmlns:a="http://schemas.openxmlformats.org/drawingml/2006/main" xmlns:r="http://schemas.openxmlformats.org/officeDocument/2006/relationships" xmlns:p="http://schemas.openxmlformats.org/presentationml/2006/main">
+  <p:cSld>
+    <p:spTree>
+      <p:nvGrpSpPr>
+        <p:cNvPr id="1" name=""/>
+        <p:cNvGrpSpPr/>
+        <p:nvPr/>
+      </p:nvGrpSpPr>
+      <p:grpSpPr>
+        <a:xfrm>
+          <a:off x="0" y="0"/>
+          <a:ext cx="0" cy="0"/>
+          <a:chOff x="0" y="0"/>
+          <a:chExt cx="0" cy="0"/>
+        </a:xfrm>
+      </p:grpSpPr>
+      <p:graphicFrame>
+        <p:nvGraphicFramePr>
+          <p:cNvPr id="3" name="表格 2">
+            <a:extLst>
+              <a:ext uri="{FF2B5EF4-FFF2-40B4-BE49-F238E27FC236}">
+                <a16:creationId xmlns:a16="http://schemas.microsoft.com/office/drawing/2014/main" id="{52F80650-D596-4CA5-9B73-17B00347E7D0}"/>
+              </a:ext>
+            </a:extLst>
+          </p:cNvPr>
+          <p:cNvGraphicFramePr>
+            <a:graphicFrameLocks noGrp="1"/>
+          </p:cNvGraphicFramePr>
+          <p:nvPr>
+            <p:extLst>
+              <p:ext uri="{D42A27DB-BD31-4B8C-83A1-F6EECF244321}">
+                <p14:modId xmlns:p14="http://schemas.microsoft.com/office/powerpoint/2010/main" val="2096010042"/>
+              </p:ext>
+            </p:extLst>
+          </p:nvPr>
+        </p:nvGraphicFramePr>
+        <p:xfrm>
+          <a:off x="2032000" y="719666"/>
+          <a:ext cx="8128000" cy="370840"/>
+        </p:xfrm>
+        <a:graphic>
+          <a:graphicData uri="http://schemas.openxmlformats.org/drawingml/2006/table">
+            <a:tbl>
+              <a:tblPr firstRow="1" bandRow="1">
+                <a:tableStyleId>{5C22544A-7EE6-4342-B048-85BDC9FD1C3A}</a:tableStyleId>
+              </a:tblPr>
+              <a:tblGrid>
+                <a:gridCol w="1625600">
+                  <a:extLst>
+                    <a:ext uri="{9D8B030D-6E8A-4147-A177-3AD203B41FA5}">
+                      <a16:colId xmlns:a16="http://schemas.microsoft.com/office/drawing/2014/main" val="104674411"/>
+                    </a:ext>
+                  </a:extLst>
+                </a:gridCol>
+                <a:gridCol w="1625600">
+                  <a:extLst>
+                    <a:ext uri="{9D8B030D-6E8A-4147-A177-3AD203B41FA5}">
+                      <a16:colId xmlns:a16="http://schemas.microsoft.com/office/drawing/2014/main" val="3429049878"/>
+                    </a:ext>
+                  </a:extLst>
+                </a:gridCol>
+                <a:gridCol w="1625600">
+                  <a:extLst>
+                    <a:ext uri="{9D8B030D-6E8A-4147-A177-3AD203B41FA5}">
+                      <a16:colId xmlns:a16="http://schemas.microsoft.com/office/drawing/2014/main" val="945761958"/>
+                    </a:ext>
+                  </a:extLst>
+                </a:gridCol>
+                <a:gridCol w="1625600">
+                  <a:extLst>
+                    <a:ext uri="{9D8B030D-6E8A-4147-A177-3AD203B41FA5}">
+                      <a16:colId xmlns:a16="http://schemas.microsoft.com/office/drawing/2014/main" val="3990083254"/>
+                    </a:ext>
+                  </a:extLst>
+                </a:gridCol>
+                <a:gridCol w="1625600">
+                  <a:extLst>
+                    <a:ext uri="{9D8B030D-6E8A-4147-A177-3AD203B41FA5}">
+                      <a16:colId xmlns:a16="http://schemas.microsoft.com/office/drawing/2014/main" val="3038716930"/>
+                    </a:ext>
+                  </a:extLst>
+                </a:gridCol>
+              </a:tblGrid>
+              <a:tr h="370840">
+                <a:tc>
+                  <a:txBody>
+                    <a:bodyPr/>
+                    <a:lstStyle/>
+                    <a:p>
+                      <a:r>
+                        <a:rPr lang="en-US" altLang="zh-CN" dirty="0"/>
+                        <a:t>2</a:t>
+                      </a:r>
+                      <a:endParaRPr lang="zh-CN" altLang="en-US" dirty="0"/>
+                    </a:p>
+                  </a:txBody>
+                  <a:tcPr/>
+                </a:tc>
+                <a:tc>
+                  <a:txBody>
+                    <a:bodyPr/>
+                    <a:lstStyle/>
+                    <a:p>
+                      <a:r>
+                        <a:rPr lang="en-US" altLang="zh-CN" dirty="0"/>
+                        <a:t>2</a:t>
+                      </a:r>
+                      <a:endParaRPr lang="zh-CN" altLang="en-US" dirty="0"/>
+                    </a:p>
+                  </a:txBody>
+                  <a:tcPr/>
+                </a:tc>
+                <a:tc>
+                  <a:txBody>
+                    <a:bodyPr/>
+                    <a:lstStyle/>
+                    <a:p>
+                      <a:r>
+                        <a:rPr lang="en-US" altLang="zh-CN" dirty="0"/>
+                        <a:t>2</a:t>
+                      </a:r>
+                      <a:endParaRPr lang="zh-CN" altLang="en-US" dirty="0"/>
+                    </a:p>
+                  </a:txBody>
+                  <a:tcPr/>
+                </a:tc>
+                <a:tc>
+                  <a:txBody>
+                    <a:bodyPr/>
+                    <a:lstStyle/>
+                    <a:p>
+                      <a:r>
+                        <a:rPr lang="en-US" altLang="zh-CN" dirty="0"/>
+                        <a:t>0</a:t>
+                      </a:r>
+                      <a:endParaRPr lang="zh-CN" altLang="en-US" dirty="0"/>
+                    </a:p>
+                  </a:txBody>
+                  <a:tcPr/>
+                </a:tc>
+                <a:tc>
+                  <a:txBody>
+                    <a:bodyPr/>
+                    <a:lstStyle/>
+                    <a:p>
+                      <a:r>
+                        <a:rPr lang="en-US" altLang="zh-CN" dirty="0"/>
+                        <a:t>1</a:t>
+                      </a:r>
+                      <a:endParaRPr lang="zh-CN" altLang="en-US" dirty="0"/>
+                    </a:p>
+                  </a:txBody>
+                  <a:tcPr/>
+                </a:tc>
+                <a:extLst>
+                  <a:ext uri="{0D108BD9-81ED-4DB2-BD59-A6C34878D82A}">
+                    <a16:rowId xmlns:a16="http://schemas.microsoft.com/office/drawing/2014/main" val="326857466"/>
+                  </a:ext>
+                </a:extLst>
+              </a:tr>
+            </a:tbl>
+          </a:graphicData>
+        </a:graphic>
+      </p:graphicFrame>
+      <p:graphicFrame>
+        <p:nvGraphicFramePr>
+          <p:cNvPr id="4" name="表格 3">
+            <a:extLst>
+              <a:ext uri="{FF2B5EF4-FFF2-40B4-BE49-F238E27FC236}">
+                <a16:creationId xmlns:a16="http://schemas.microsoft.com/office/drawing/2014/main" id="{DB690089-C227-4446-8E7E-9CA4E713E719}"/>
+              </a:ext>
+            </a:extLst>
+          </p:cNvPr>
+          <p:cNvGraphicFramePr>
+            <a:graphicFrameLocks noGrp="1"/>
+          </p:cNvGraphicFramePr>
+          <p:nvPr>
+            <p:extLst>
+              <p:ext uri="{D42A27DB-BD31-4B8C-83A1-F6EECF244321}">
+                <p14:modId xmlns:p14="http://schemas.microsoft.com/office/powerpoint/2010/main" val="888454292"/>
+              </p:ext>
+            </p:extLst>
+          </p:nvPr>
+        </p:nvGraphicFramePr>
+        <p:xfrm>
+          <a:off x="2032000" y="1867570"/>
+          <a:ext cx="4876800" cy="370840"/>
+        </p:xfrm>
+        <a:graphic>
+          <a:graphicData uri="http://schemas.openxmlformats.org/drawingml/2006/table">
+            <a:tbl>
+              <a:tblPr firstRow="1" bandRow="1">
+                <a:tableStyleId>{5C22544A-7EE6-4342-B048-85BDC9FD1C3A}</a:tableStyleId>
+              </a:tblPr>
+              <a:tblGrid>
+                <a:gridCol w="1625600">
+                  <a:extLst>
+                    <a:ext uri="{9D8B030D-6E8A-4147-A177-3AD203B41FA5}">
+                      <a16:colId xmlns:a16="http://schemas.microsoft.com/office/drawing/2014/main" val="3923012063"/>
+                    </a:ext>
+                  </a:extLst>
+                </a:gridCol>
+                <a:gridCol w="1625600">
+                  <a:extLst>
+                    <a:ext uri="{9D8B030D-6E8A-4147-A177-3AD203B41FA5}">
+                      <a16:colId xmlns:a16="http://schemas.microsoft.com/office/drawing/2014/main" val="1370588930"/>
+                    </a:ext>
+                  </a:extLst>
+                </a:gridCol>
+                <a:gridCol w="1625600">
+                  <a:extLst>
+                    <a:ext uri="{9D8B030D-6E8A-4147-A177-3AD203B41FA5}">
+                      <a16:colId xmlns:a16="http://schemas.microsoft.com/office/drawing/2014/main" val="930302810"/>
+                    </a:ext>
+                  </a:extLst>
+                </a:gridCol>
+              </a:tblGrid>
+              <a:tr h="370840">
+                <a:tc>
+                  <a:txBody>
+                    <a:bodyPr/>
+                    <a:lstStyle/>
+                    <a:p>
+                      <a:r>
+                        <a:rPr lang="en-US" altLang="zh-CN" dirty="0"/>
+                        <a:t>2</a:t>
+                      </a:r>
+                      <a:endParaRPr lang="zh-CN" altLang="en-US" dirty="0"/>
+                    </a:p>
+                  </a:txBody>
+                  <a:tcPr/>
+                </a:tc>
+                <a:tc>
+                  <a:txBody>
+                    <a:bodyPr/>
+                    <a:lstStyle/>
+                    <a:p>
+                      <a:r>
+                        <a:rPr lang="en-US" altLang="zh-CN" dirty="0"/>
+                        <a:t>2</a:t>
+                      </a:r>
+                      <a:endParaRPr lang="zh-CN" altLang="en-US" dirty="0"/>
+                    </a:p>
+                  </a:txBody>
+                  <a:tcPr/>
+                </a:tc>
+                <a:tc>
+                  <a:txBody>
+                    <a:bodyPr/>
+                    <a:lstStyle/>
+                    <a:p>
+                      <a:r>
+                        <a:rPr lang="en-US" altLang="zh-CN" dirty="0"/>
+                        <a:t>2</a:t>
+                      </a:r>
+                      <a:endParaRPr lang="zh-CN" altLang="en-US" dirty="0"/>
+                    </a:p>
+                  </a:txBody>
+                  <a:tcPr/>
+                </a:tc>
+                <a:extLst>
+                  <a:ext uri="{0D108BD9-81ED-4DB2-BD59-A6C34878D82A}">
+                    <a16:rowId xmlns:a16="http://schemas.microsoft.com/office/drawing/2014/main" val="2626161809"/>
+                  </a:ext>
+                </a:extLst>
+              </a:tr>
+            </a:tbl>
+          </a:graphicData>
+        </a:graphic>
+      </p:graphicFrame>
+      <p:graphicFrame>
+        <p:nvGraphicFramePr>
+          <p:cNvPr id="5" name="表格 4">
+            <a:extLst>
+              <a:ext uri="{FF2B5EF4-FFF2-40B4-BE49-F238E27FC236}">
+                <a16:creationId xmlns:a16="http://schemas.microsoft.com/office/drawing/2014/main" id="{F0D56FD5-F45F-4B72-B113-05617375DA4C}"/>
+              </a:ext>
+            </a:extLst>
+          </p:cNvPr>
+          <p:cNvGraphicFramePr>
+            <a:graphicFrameLocks noGrp="1"/>
+          </p:cNvGraphicFramePr>
+          <p:nvPr>
+            <p:extLst>
+              <p:ext uri="{D42A27DB-BD31-4B8C-83A1-F6EECF244321}">
+                <p14:modId xmlns:p14="http://schemas.microsoft.com/office/powerpoint/2010/main" val="226984680"/>
+              </p:ext>
+            </p:extLst>
+          </p:nvPr>
+        </p:nvGraphicFramePr>
+        <p:xfrm>
+          <a:off x="6908800" y="3015474"/>
+          <a:ext cx="3251200" cy="370840"/>
+        </p:xfrm>
+        <a:graphic>
+          <a:graphicData uri="http://schemas.openxmlformats.org/drawingml/2006/table">
+            <a:tbl>
+              <a:tblPr firstRow="1" bandRow="1">
+                <a:tableStyleId>{5C22544A-7EE6-4342-B048-85BDC9FD1C3A}</a:tableStyleId>
+              </a:tblPr>
+              <a:tblGrid>
+                <a:gridCol w="1625600">
+                  <a:extLst>
+                    <a:ext uri="{9D8B030D-6E8A-4147-A177-3AD203B41FA5}">
+                      <a16:colId xmlns:a16="http://schemas.microsoft.com/office/drawing/2014/main" val="3721512455"/>
+                    </a:ext>
+                  </a:extLst>
+                </a:gridCol>
+                <a:gridCol w="1625600">
+                  <a:extLst>
+                    <a:ext uri="{9D8B030D-6E8A-4147-A177-3AD203B41FA5}">
+                      <a16:colId xmlns:a16="http://schemas.microsoft.com/office/drawing/2014/main" val="3689139600"/>
+                    </a:ext>
+                  </a:extLst>
+                </a:gridCol>
+              </a:tblGrid>
+              <a:tr h="370840">
+                <a:tc>
+                  <a:txBody>
+                    <a:bodyPr/>
+                    <a:lstStyle/>
+                    <a:p>
+                      <a:r>
+                        <a:rPr lang="en-US" altLang="zh-CN" dirty="0"/>
+                        <a:t>0</a:t>
+                      </a:r>
+                      <a:endParaRPr lang="zh-CN" altLang="en-US" dirty="0"/>
+                    </a:p>
+                  </a:txBody>
+                  <a:tcPr/>
+                </a:tc>
+                <a:tc>
+                  <a:txBody>
+                    <a:bodyPr/>
+                    <a:lstStyle/>
+                    <a:p>
+                      <a:r>
+                        <a:rPr lang="en-US" altLang="zh-CN" dirty="0"/>
+                        <a:t>1</a:t>
+                      </a:r>
+                      <a:endParaRPr lang="zh-CN" altLang="en-US" dirty="0"/>
+                    </a:p>
+                  </a:txBody>
+                  <a:tcPr/>
+                </a:tc>
+                <a:extLst>
+                  <a:ext uri="{0D108BD9-81ED-4DB2-BD59-A6C34878D82A}">
+                    <a16:rowId xmlns:a16="http://schemas.microsoft.com/office/drawing/2014/main" val="1837855090"/>
+                  </a:ext>
+                </a:extLst>
+              </a:tr>
+            </a:tbl>
+          </a:graphicData>
+        </a:graphic>
+      </p:graphicFrame>
+      <p:sp>
+        <p:nvSpPr>
+          <p:cNvPr id="6" name="文本框 5">
+            <a:extLst>
+              <a:ext uri="{FF2B5EF4-FFF2-40B4-BE49-F238E27FC236}">
+                <a16:creationId xmlns:a16="http://schemas.microsoft.com/office/drawing/2014/main" id="{56F71654-3487-475C-AFF6-F6E45A72BAFF}"/>
+              </a:ext>
+            </a:extLst>
+          </p:cNvPr>
+          <p:cNvSpPr txBox="1"/>
+          <p:nvPr/>
+        </p:nvSpPr>
+        <p:spPr>
+          <a:xfrm>
+            <a:off x="436227" y="1867570"/>
+            <a:ext cx="1377300" cy="369332"/>
+          </a:xfrm>
+          <a:prstGeom prst="rect">
+            <a:avLst/>
+          </a:prstGeom>
+          <a:noFill/>
+        </p:spPr>
+        <p:txBody>
+          <a:bodyPr wrap="none" rtlCol="0">
+            <a:spAutoFit/>
+          </a:bodyPr>
+          <a:lstStyle/>
+          <a:p>
+            <a:r>
+              <a:rPr lang="zh-CN" altLang="en-US" dirty="0"/>
+              <a:t>左有序序列</a:t>
+            </a:r>
+          </a:p>
+        </p:txBody>
+      </p:sp>
+      <p:sp>
+        <p:nvSpPr>
+          <p:cNvPr id="39" name="文本框 38">
+            <a:extLst>
+              <a:ext uri="{FF2B5EF4-FFF2-40B4-BE49-F238E27FC236}">
+                <a16:creationId xmlns:a16="http://schemas.microsoft.com/office/drawing/2014/main" id="{476DB420-2ACF-4F8A-9C28-54BB1D3A9D08}"/>
+              </a:ext>
+            </a:extLst>
+          </p:cNvPr>
+          <p:cNvSpPr txBox="1"/>
+          <p:nvPr/>
+        </p:nvSpPr>
+        <p:spPr>
+          <a:xfrm>
+            <a:off x="436227" y="3015474"/>
+            <a:ext cx="1338828" cy="369332"/>
+          </a:xfrm>
+          <a:prstGeom prst="rect">
+            <a:avLst/>
+          </a:prstGeom>
+          <a:noFill/>
+        </p:spPr>
+        <p:txBody>
+          <a:bodyPr wrap="none" rtlCol="0">
+            <a:spAutoFit/>
+          </a:bodyPr>
+          <a:lstStyle/>
+          <a:p>
+            <a:r>
+              <a:rPr lang="zh-CN" altLang="en-US" dirty="0"/>
+              <a:t>右有序序列</a:t>
+            </a:r>
+          </a:p>
+        </p:txBody>
+      </p:sp>
+      <p:sp>
+        <p:nvSpPr>
+          <p:cNvPr id="7" name="文本框 6">
+            <a:extLst>
+              <a:ext uri="{FF2B5EF4-FFF2-40B4-BE49-F238E27FC236}">
+                <a16:creationId xmlns:a16="http://schemas.microsoft.com/office/drawing/2014/main" id="{B4CDCBE5-3C7B-42AA-B836-9A14FA5B3A21}"/>
+              </a:ext>
+            </a:extLst>
+          </p:cNvPr>
+          <p:cNvSpPr txBox="1"/>
+          <p:nvPr/>
+        </p:nvSpPr>
+        <p:spPr>
+          <a:xfrm>
+            <a:off x="466055" y="4988116"/>
+            <a:ext cx="10100345" cy="646331"/>
+          </a:xfrm>
+          <a:prstGeom prst="rect">
+            <a:avLst/>
+          </a:prstGeom>
+          <a:noFill/>
+        </p:spPr>
+        <p:txBody>
+          <a:bodyPr wrap="square" rtlCol="0">
+            <a:spAutoFit/>
+          </a:bodyPr>
+          <a:lstStyle/>
+          <a:p>
+            <a:r>
+              <a:rPr lang="zh-CN" altLang="en-US" dirty="0"/>
+              <a:t>由</a:t>
+            </a:r>
+            <a:r>
+              <a:rPr lang="en-US" altLang="zh-CN" dirty="0"/>
+              <a:t>numbers[mid]=2 &gt; numbers[right] = 1</a:t>
+            </a:r>
+            <a:r>
+              <a:rPr lang="zh-CN" altLang="en-US" dirty="0"/>
+              <a:t>得，</a:t>
+            </a:r>
+            <a:r>
+              <a:rPr lang="en-US" altLang="zh-CN" dirty="0"/>
+              <a:t>mid</a:t>
+            </a:r>
+            <a:r>
+              <a:rPr lang="zh-CN" altLang="en-US" dirty="0"/>
+              <a:t>在左有序序列中，因此旋转点在</a:t>
+            </a:r>
+            <a:r>
+              <a:rPr lang="en-US" altLang="zh-CN" dirty="0"/>
+              <a:t>[mid+1,right]</a:t>
+            </a:r>
+          </a:p>
+          <a:p>
+            <a:endParaRPr lang="zh-CN" altLang="en-US" dirty="0"/>
+          </a:p>
+        </p:txBody>
+      </p:sp>
+    </p:spTree>
+    <p:extLst>
+      <p:ext uri="{BB962C8B-B14F-4D97-AF65-F5344CB8AC3E}">
+        <p14:creationId xmlns:p14="http://schemas.microsoft.com/office/powerpoint/2010/main" val="1876217547"/>
+      </p:ext>
+    </p:extLst>
+  </p:cSld>
+  <p:clrMapOvr>
+    <a:masterClrMapping/>
+  </p:clrMapOvr>
+</p:sld>
+</file>
+
+<file path=ppt/slides/slide4.xml><?xml version="1.0" encoding="utf-8"?>
+<p:sld xmlns:a="http://schemas.openxmlformats.org/drawingml/2006/main" xmlns:r="http://schemas.openxmlformats.org/officeDocument/2006/relationships" xmlns:p="http://schemas.openxmlformats.org/presentationml/2006/main">
+  <p:cSld>
+    <p:spTree>
+      <p:nvGrpSpPr>
+        <p:cNvPr id="1" name=""/>
+        <p:cNvGrpSpPr/>
+        <p:nvPr/>
+      </p:nvGrpSpPr>
+      <p:grpSpPr>
+        <a:xfrm>
+          <a:off x="0" y="0"/>
+          <a:ext cx="0" cy="0"/>
+          <a:chOff x="0" y="0"/>
+          <a:chExt cx="0" cy="0"/>
+        </a:xfrm>
+      </p:grpSpPr>
+      <p:graphicFrame>
+        <p:nvGraphicFramePr>
+          <p:cNvPr id="3" name="表格 2">
+            <a:extLst>
+              <a:ext uri="{FF2B5EF4-FFF2-40B4-BE49-F238E27FC236}">
+                <a16:creationId xmlns:a16="http://schemas.microsoft.com/office/drawing/2014/main" id="{52F80650-D596-4CA5-9B73-17B00347E7D0}"/>
+              </a:ext>
+            </a:extLst>
+          </p:cNvPr>
+          <p:cNvGraphicFramePr>
+            <a:graphicFrameLocks noGrp="1"/>
+          </p:cNvGraphicFramePr>
+          <p:nvPr/>
+        </p:nvGraphicFramePr>
+        <p:xfrm>
+          <a:off x="2032000" y="719666"/>
+          <a:ext cx="8128000" cy="370840"/>
+        </p:xfrm>
+        <a:graphic>
+          <a:graphicData uri="http://schemas.openxmlformats.org/drawingml/2006/table">
+            <a:tbl>
+              <a:tblPr firstRow="1" bandRow="1">
+                <a:tableStyleId>{5C22544A-7EE6-4342-B048-85BDC9FD1C3A}</a:tableStyleId>
+              </a:tblPr>
+              <a:tblGrid>
+                <a:gridCol w="1625600">
+                  <a:extLst>
+                    <a:ext uri="{9D8B030D-6E8A-4147-A177-3AD203B41FA5}">
+                      <a16:colId xmlns:a16="http://schemas.microsoft.com/office/drawing/2014/main" val="104674411"/>
+                    </a:ext>
+                  </a:extLst>
+                </a:gridCol>
+                <a:gridCol w="1625600">
+                  <a:extLst>
+                    <a:ext uri="{9D8B030D-6E8A-4147-A177-3AD203B41FA5}">
+                      <a16:colId xmlns:a16="http://schemas.microsoft.com/office/drawing/2014/main" val="3429049878"/>
+                    </a:ext>
+                  </a:extLst>
+                </a:gridCol>
+                <a:gridCol w="1625600">
+                  <a:extLst>
+                    <a:ext uri="{9D8B030D-6E8A-4147-A177-3AD203B41FA5}">
+                      <a16:colId xmlns:a16="http://schemas.microsoft.com/office/drawing/2014/main" val="945761958"/>
+                    </a:ext>
+                  </a:extLst>
+                </a:gridCol>
+                <a:gridCol w="1625600">
+                  <a:extLst>
+                    <a:ext uri="{9D8B030D-6E8A-4147-A177-3AD203B41FA5}">
+                      <a16:colId xmlns:a16="http://schemas.microsoft.com/office/drawing/2014/main" val="3990083254"/>
+                    </a:ext>
+                  </a:extLst>
+                </a:gridCol>
+                <a:gridCol w="1625600">
+                  <a:extLst>
+                    <a:ext uri="{9D8B030D-6E8A-4147-A177-3AD203B41FA5}">
+                      <a16:colId xmlns:a16="http://schemas.microsoft.com/office/drawing/2014/main" val="3038716930"/>
+                    </a:ext>
+                  </a:extLst>
+                </a:gridCol>
+              </a:tblGrid>
+              <a:tr h="370840">
+                <a:tc>
+                  <a:txBody>
+                    <a:bodyPr/>
+                    <a:lstStyle/>
+                    <a:p>
+                      <a:r>
+                        <a:rPr lang="en-US" altLang="zh-CN" dirty="0"/>
+                        <a:t>2</a:t>
+                      </a:r>
+                      <a:endParaRPr lang="zh-CN" altLang="en-US" dirty="0"/>
+                    </a:p>
+                  </a:txBody>
+                  <a:tcPr/>
+                </a:tc>
+                <a:tc>
+                  <a:txBody>
+                    <a:bodyPr/>
+                    <a:lstStyle/>
+                    <a:p>
+                      <a:r>
+                        <a:rPr lang="en-US" altLang="zh-CN" dirty="0"/>
+                        <a:t>2</a:t>
+                      </a:r>
+                      <a:endParaRPr lang="zh-CN" altLang="en-US" dirty="0"/>
+                    </a:p>
+                  </a:txBody>
+                  <a:tcPr/>
+                </a:tc>
+                <a:tc>
+                  <a:txBody>
+                    <a:bodyPr/>
+                    <a:lstStyle/>
+                    <a:p>
+                      <a:r>
+                        <a:rPr lang="en-US" altLang="zh-CN" dirty="0"/>
+                        <a:t>2</a:t>
+                      </a:r>
+                      <a:endParaRPr lang="zh-CN" altLang="en-US" dirty="0"/>
+                    </a:p>
+                  </a:txBody>
+                  <a:tcPr/>
+                </a:tc>
+                <a:tc>
+                  <a:txBody>
+                    <a:bodyPr/>
+                    <a:lstStyle/>
+                    <a:p>
+                      <a:r>
+                        <a:rPr lang="en-US" altLang="zh-CN" dirty="0"/>
+                        <a:t>0</a:t>
+                      </a:r>
+                      <a:endParaRPr lang="zh-CN" altLang="en-US" dirty="0"/>
+                    </a:p>
+                  </a:txBody>
+                  <a:tcPr/>
+                </a:tc>
+                <a:tc>
+                  <a:txBody>
+                    <a:bodyPr/>
+                    <a:lstStyle/>
+                    <a:p>
+                      <a:r>
+                        <a:rPr lang="en-US" altLang="zh-CN" dirty="0"/>
+                        <a:t>1</a:t>
+                      </a:r>
+                      <a:endParaRPr lang="zh-CN" altLang="en-US" dirty="0"/>
+                    </a:p>
+                  </a:txBody>
+                  <a:tcPr/>
+                </a:tc>
+                <a:extLst>
+                  <a:ext uri="{0D108BD9-81ED-4DB2-BD59-A6C34878D82A}">
+                    <a16:rowId xmlns:a16="http://schemas.microsoft.com/office/drawing/2014/main" val="326857466"/>
+                  </a:ext>
+                </a:extLst>
+              </a:tr>
+            </a:tbl>
+          </a:graphicData>
+        </a:graphic>
+      </p:graphicFrame>
+      <p:graphicFrame>
+        <p:nvGraphicFramePr>
+          <p:cNvPr id="4" name="表格 3">
+            <a:extLst>
+              <a:ext uri="{FF2B5EF4-FFF2-40B4-BE49-F238E27FC236}">
+                <a16:creationId xmlns:a16="http://schemas.microsoft.com/office/drawing/2014/main" id="{DB690089-C227-4446-8E7E-9CA4E713E719}"/>
+              </a:ext>
+            </a:extLst>
+          </p:cNvPr>
+          <p:cNvGraphicFramePr>
+            <a:graphicFrameLocks noGrp="1"/>
+          </p:cNvGraphicFramePr>
+          <p:nvPr>
+            <p:extLst>
+              <p:ext uri="{D42A27DB-BD31-4B8C-83A1-F6EECF244321}">
+                <p14:modId xmlns:p14="http://schemas.microsoft.com/office/powerpoint/2010/main" val="1220529166"/>
+              </p:ext>
+            </p:extLst>
+          </p:nvPr>
+        </p:nvGraphicFramePr>
+        <p:xfrm>
+          <a:off x="5283200" y="2093237"/>
+          <a:ext cx="4876800" cy="370840"/>
+        </p:xfrm>
+        <a:graphic>
+          <a:graphicData uri="http://schemas.openxmlformats.org/drawingml/2006/table">
+            <a:tbl>
+              <a:tblPr firstRow="1" bandRow="1">
+                <a:tableStyleId>{5C22544A-7EE6-4342-B048-85BDC9FD1C3A}</a:tableStyleId>
+              </a:tblPr>
+              <a:tblGrid>
+                <a:gridCol w="1625600">
+                  <a:extLst>
+                    <a:ext uri="{9D8B030D-6E8A-4147-A177-3AD203B41FA5}">
+                      <a16:colId xmlns:a16="http://schemas.microsoft.com/office/drawing/2014/main" val="3923012063"/>
+                    </a:ext>
+                  </a:extLst>
+                </a:gridCol>
+                <a:gridCol w="1625600">
+                  <a:extLst>
+                    <a:ext uri="{9D8B030D-6E8A-4147-A177-3AD203B41FA5}">
+                      <a16:colId xmlns:a16="http://schemas.microsoft.com/office/drawing/2014/main" val="1370588930"/>
+                    </a:ext>
+                  </a:extLst>
+                </a:gridCol>
+                <a:gridCol w="1625600">
+                  <a:extLst>
+                    <a:ext uri="{9D8B030D-6E8A-4147-A177-3AD203B41FA5}">
+                      <a16:colId xmlns:a16="http://schemas.microsoft.com/office/drawing/2014/main" val="930302810"/>
+                    </a:ext>
+                  </a:extLst>
+                </a:gridCol>
+              </a:tblGrid>
+              <a:tr h="370840">
+                <a:tc>
+                  <a:txBody>
+                    <a:bodyPr/>
+                    <a:lstStyle/>
+                    <a:p>
+                      <a:r>
+                        <a:rPr lang="en-US" altLang="zh-CN" dirty="0"/>
+                        <a:t>0</a:t>
+                      </a:r>
+                      <a:endParaRPr lang="zh-CN" altLang="en-US" dirty="0"/>
+                    </a:p>
+                  </a:txBody>
+                  <a:tcPr/>
+                </a:tc>
+                <a:tc>
+                  <a:txBody>
+                    <a:bodyPr/>
+                    <a:lstStyle/>
+                    <a:p>
+                      <a:r>
+                        <a:rPr lang="en-US" altLang="zh-CN" dirty="0"/>
+                        <a:t>1</a:t>
+                      </a:r>
+                      <a:endParaRPr lang="zh-CN" altLang="en-US" dirty="0"/>
+                    </a:p>
+                  </a:txBody>
+                  <a:tcPr/>
+                </a:tc>
+                <a:tc>
+                  <a:txBody>
+                    <a:bodyPr/>
+                    <a:lstStyle/>
+                    <a:p>
+                      <a:r>
+                        <a:rPr lang="en-US" altLang="zh-CN" dirty="0"/>
+                        <a:t>2</a:t>
+                      </a:r>
+                      <a:endParaRPr lang="zh-CN" altLang="en-US" dirty="0"/>
+                    </a:p>
+                  </a:txBody>
+                  <a:tcPr/>
+                </a:tc>
+                <a:extLst>
+                  <a:ext uri="{0D108BD9-81ED-4DB2-BD59-A6C34878D82A}">
+                    <a16:rowId xmlns:a16="http://schemas.microsoft.com/office/drawing/2014/main" val="2626161809"/>
+                  </a:ext>
+                </a:extLst>
+              </a:tr>
+            </a:tbl>
+          </a:graphicData>
+        </a:graphic>
+      </p:graphicFrame>
+      <p:graphicFrame>
+        <p:nvGraphicFramePr>
+          <p:cNvPr id="5" name="表格 4">
+            <a:extLst>
+              <a:ext uri="{FF2B5EF4-FFF2-40B4-BE49-F238E27FC236}">
+                <a16:creationId xmlns:a16="http://schemas.microsoft.com/office/drawing/2014/main" id="{F0D56FD5-F45F-4B72-B113-05617375DA4C}"/>
+              </a:ext>
+            </a:extLst>
+          </p:cNvPr>
+          <p:cNvGraphicFramePr>
+            <a:graphicFrameLocks noGrp="1"/>
+          </p:cNvGraphicFramePr>
+          <p:nvPr>
+            <p:extLst>
+              <p:ext uri="{D42A27DB-BD31-4B8C-83A1-F6EECF244321}">
+                <p14:modId xmlns:p14="http://schemas.microsoft.com/office/powerpoint/2010/main" val="782679859"/>
+              </p:ext>
+            </p:extLst>
+          </p:nvPr>
+        </p:nvGraphicFramePr>
+        <p:xfrm>
+          <a:off x="2032000" y="1394919"/>
+          <a:ext cx="3251200" cy="370840"/>
+        </p:xfrm>
+        <a:graphic>
+          <a:graphicData uri="http://schemas.openxmlformats.org/drawingml/2006/table">
+            <a:tbl>
+              <a:tblPr firstRow="1" bandRow="1">
+                <a:tableStyleId>{5C22544A-7EE6-4342-B048-85BDC9FD1C3A}</a:tableStyleId>
+              </a:tblPr>
+              <a:tblGrid>
+                <a:gridCol w="1625600">
+                  <a:extLst>
+                    <a:ext uri="{9D8B030D-6E8A-4147-A177-3AD203B41FA5}">
+                      <a16:colId xmlns:a16="http://schemas.microsoft.com/office/drawing/2014/main" val="3721512455"/>
+                    </a:ext>
+                  </a:extLst>
+                </a:gridCol>
+                <a:gridCol w="1625600">
+                  <a:extLst>
+                    <a:ext uri="{9D8B030D-6E8A-4147-A177-3AD203B41FA5}">
+                      <a16:colId xmlns:a16="http://schemas.microsoft.com/office/drawing/2014/main" val="3689139600"/>
+                    </a:ext>
+                  </a:extLst>
+                </a:gridCol>
+              </a:tblGrid>
+              <a:tr h="370840">
+                <a:tc>
+                  <a:txBody>
+                    <a:bodyPr/>
+                    <a:lstStyle/>
+                    <a:p>
+                      <a:r>
+                        <a:rPr lang="en-US" altLang="zh-CN" dirty="0"/>
+                        <a:t>2</a:t>
+                      </a:r>
+                      <a:endParaRPr lang="zh-CN" altLang="en-US" dirty="0"/>
+                    </a:p>
+                  </a:txBody>
+                  <a:tcPr/>
+                </a:tc>
+                <a:tc>
+                  <a:txBody>
+                    <a:bodyPr/>
+                    <a:lstStyle/>
+                    <a:p>
+                      <a:r>
+                        <a:rPr lang="en-US" altLang="zh-CN" dirty="0"/>
+                        <a:t>2</a:t>
+                      </a:r>
+                      <a:endParaRPr lang="zh-CN" altLang="en-US" dirty="0"/>
+                    </a:p>
+                  </a:txBody>
+                  <a:tcPr/>
+                </a:tc>
+                <a:extLst>
+                  <a:ext uri="{0D108BD9-81ED-4DB2-BD59-A6C34878D82A}">
+                    <a16:rowId xmlns:a16="http://schemas.microsoft.com/office/drawing/2014/main" val="1837855090"/>
+                  </a:ext>
+                </a:extLst>
+              </a:tr>
+            </a:tbl>
+          </a:graphicData>
+        </a:graphic>
+      </p:graphicFrame>
+      <p:sp>
+        <p:nvSpPr>
+          <p:cNvPr id="6" name="文本框 5">
+            <a:extLst>
+              <a:ext uri="{FF2B5EF4-FFF2-40B4-BE49-F238E27FC236}">
+                <a16:creationId xmlns:a16="http://schemas.microsoft.com/office/drawing/2014/main" id="{56F71654-3487-475C-AFF6-F6E45A72BAFF}"/>
+              </a:ext>
+            </a:extLst>
+          </p:cNvPr>
+          <p:cNvSpPr txBox="1"/>
+          <p:nvPr/>
+        </p:nvSpPr>
+        <p:spPr>
+          <a:xfrm>
+            <a:off x="436227" y="1397786"/>
+            <a:ext cx="1377300" cy="369332"/>
+          </a:xfrm>
+          <a:prstGeom prst="rect">
+            <a:avLst/>
+          </a:prstGeom>
+          <a:noFill/>
+        </p:spPr>
+        <p:txBody>
+          <a:bodyPr wrap="none" rtlCol="0">
+            <a:spAutoFit/>
+          </a:bodyPr>
+          <a:lstStyle/>
+          <a:p>
+            <a:r>
+              <a:rPr lang="zh-CN" altLang="en-US" dirty="0"/>
+              <a:t>左有序序列</a:t>
+            </a:r>
+          </a:p>
+        </p:txBody>
+      </p:sp>
+      <p:sp>
+        <p:nvSpPr>
+          <p:cNvPr id="39" name="文本框 38">
+            <a:extLst>
+              <a:ext uri="{FF2B5EF4-FFF2-40B4-BE49-F238E27FC236}">
+                <a16:creationId xmlns:a16="http://schemas.microsoft.com/office/drawing/2014/main" id="{476DB420-2ACF-4F8A-9C28-54BB1D3A9D08}"/>
+              </a:ext>
+            </a:extLst>
+          </p:cNvPr>
+          <p:cNvSpPr txBox="1"/>
+          <p:nvPr/>
+        </p:nvSpPr>
+        <p:spPr>
+          <a:xfrm>
+            <a:off x="436227" y="2098970"/>
+            <a:ext cx="1338828" cy="369332"/>
+          </a:xfrm>
+          <a:prstGeom prst="rect">
+            <a:avLst/>
+          </a:prstGeom>
+          <a:noFill/>
+        </p:spPr>
+        <p:txBody>
+          <a:bodyPr wrap="none" rtlCol="0">
+            <a:spAutoFit/>
+          </a:bodyPr>
+          <a:lstStyle/>
+          <a:p>
+            <a:r>
+              <a:rPr lang="zh-CN" altLang="en-US" dirty="0"/>
+              <a:t>右有序序列</a:t>
+            </a:r>
+          </a:p>
+        </p:txBody>
+      </p:sp>
+      <p:sp>
+        <p:nvSpPr>
+          <p:cNvPr id="7" name="文本框 6">
+            <a:extLst>
+              <a:ext uri="{FF2B5EF4-FFF2-40B4-BE49-F238E27FC236}">
+                <a16:creationId xmlns:a16="http://schemas.microsoft.com/office/drawing/2014/main" id="{B4CDCBE5-3C7B-42AA-B836-9A14FA5B3A21}"/>
+              </a:ext>
+            </a:extLst>
+          </p:cNvPr>
+          <p:cNvSpPr txBox="1"/>
+          <p:nvPr/>
+        </p:nvSpPr>
+        <p:spPr>
+          <a:xfrm>
+            <a:off x="436227" y="2899257"/>
+            <a:ext cx="10100345" cy="646331"/>
+          </a:xfrm>
+          <a:prstGeom prst="rect">
+            <a:avLst/>
+          </a:prstGeom>
+          <a:noFill/>
+        </p:spPr>
+        <p:txBody>
+          <a:bodyPr wrap="square" rtlCol="0">
+            <a:spAutoFit/>
+          </a:bodyPr>
+          <a:lstStyle/>
+          <a:p>
+            <a:r>
+              <a:rPr lang="zh-CN" altLang="en-US" dirty="0"/>
+              <a:t>由</a:t>
+            </a:r>
+            <a:r>
+              <a:rPr lang="en-US" altLang="zh-CN" dirty="0"/>
+              <a:t>numbers[mid]=0 &lt; numbers[right] = 1</a:t>
+            </a:r>
+            <a:r>
+              <a:rPr lang="zh-CN" altLang="en-US" dirty="0"/>
+              <a:t>得，</a:t>
+            </a:r>
+            <a:r>
+              <a:rPr lang="en-US" altLang="zh-CN" dirty="0"/>
+              <a:t>mid</a:t>
+            </a:r>
+            <a:r>
+              <a:rPr lang="zh-CN" altLang="en-US" dirty="0"/>
+              <a:t>在右有序序列中，因此旋转点在</a:t>
+            </a:r>
+            <a:r>
+              <a:rPr lang="en-US" altLang="zh-CN" dirty="0"/>
+              <a:t>[</a:t>
+            </a:r>
+            <a:r>
+              <a:rPr lang="en-US" altLang="zh-CN" dirty="0" err="1"/>
+              <a:t>left,right</a:t>
+            </a:r>
+            <a:r>
+              <a:rPr lang="en-US" altLang="zh-CN" dirty="0"/>
+              <a:t>]</a:t>
+            </a:r>
+          </a:p>
+          <a:p>
+            <a:endParaRPr lang="zh-CN" altLang="en-US" dirty="0"/>
+          </a:p>
+        </p:txBody>
+      </p:sp>
+    </p:spTree>
+    <p:extLst>
+      <p:ext uri="{BB962C8B-B14F-4D97-AF65-F5344CB8AC3E}">
+        <p14:creationId xmlns:p14="http://schemas.microsoft.com/office/powerpoint/2010/main" val="2553506568"/>
+      </p:ext>
+    </p:extLst>
+  </p:cSld>
+  <p:clrMapOvr>
+    <a:masterClrMapping/>
+  </p:clrMapOvr>
+</p:sld>
+</file>
+
 <file path=ppt/theme/theme1.xml><?xml version="1.0" encoding="utf-8"?>
 <a:theme xmlns:a="http://schemas.openxmlformats.org/drawingml/2006/main" name="Office 主题​​">
   <a:themeElements>

--- a/img/剑指Offer.pptx
+++ b/img/剑指Offer.pptx
@@ -8628,7 +8628,13 @@
           <p:cNvGraphicFramePr>
             <a:graphicFrameLocks noGrp="1"/>
           </p:cNvGraphicFramePr>
-          <p:nvPr/>
+          <p:nvPr>
+            <p:extLst>
+              <p:ext uri="{D42A27DB-BD31-4B8C-83A1-F6EECF244321}">
+                <p14:modId xmlns:p14="http://schemas.microsoft.com/office/powerpoint/2010/main" val="536818882"/>
+              </p:ext>
+            </p:extLst>
+          </p:nvPr>
         </p:nvGraphicFramePr>
         <p:xfrm>
           <a:off x="2032000" y="719666"/>
@@ -8713,35 +8719,35 @@
                     <a:p>
                       <a:r>
                         <a:rPr lang="en-US" altLang="zh-CN" dirty="0"/>
+                        <a:t>0</a:t>
+                      </a:r>
+                      <a:endParaRPr lang="zh-CN" altLang="en-US" dirty="0"/>
+                    </a:p>
+                  </a:txBody>
+                  <a:tcPr/>
+                </a:tc>
+                <a:tc>
+                  <a:txBody>
+                    <a:bodyPr/>
+                    <a:lstStyle/>
+                    <a:p>
+                      <a:r>
+                        <a:rPr lang="en-US" altLang="zh-CN" dirty="0"/>
+                        <a:t>1</a:t>
+                      </a:r>
+                      <a:endParaRPr lang="zh-CN" altLang="en-US" dirty="0"/>
+                    </a:p>
+                  </a:txBody>
+                  <a:tcPr/>
+                </a:tc>
+                <a:tc>
+                  <a:txBody>
+                    <a:bodyPr/>
+                    <a:lstStyle/>
+                    <a:p>
+                      <a:r>
+                        <a:rPr lang="en-US" altLang="zh-CN" dirty="0"/>
                         <a:t>2</a:t>
-                      </a:r>
-                      <a:endParaRPr lang="zh-CN" altLang="en-US" dirty="0"/>
-                    </a:p>
-                  </a:txBody>
-                  <a:tcPr/>
-                </a:tc>
-                <a:tc>
-                  <a:txBody>
-                    <a:bodyPr/>
-                    <a:lstStyle/>
-                    <a:p>
-                      <a:r>
-                        <a:rPr lang="en-US" altLang="zh-CN" dirty="0"/>
-                        <a:t>0</a:t>
-                      </a:r>
-                      <a:endParaRPr lang="zh-CN" altLang="en-US" dirty="0"/>
-                    </a:p>
-                  </a:txBody>
-                  <a:tcPr/>
-                </a:tc>
-                <a:tc>
-                  <a:txBody>
-                    <a:bodyPr/>
-                    <a:lstStyle/>
-                    <a:p>
-                      <a:r>
-                        <a:rPr lang="en-US" altLang="zh-CN" dirty="0"/>
-                        <a:t>1</a:t>
                       </a:r>
                       <a:endParaRPr lang="zh-CN" altLang="en-US" dirty="0"/>
                     </a:p>
@@ -9069,19 +9075,517 @@
             </a:r>
             <a:r>
               <a:rPr lang="en-US" altLang="zh-CN" dirty="0"/>
-              <a:t>[</a:t>
-            </a:r>
-            <a:r>
-              <a:rPr lang="en-US" altLang="zh-CN" dirty="0" err="1"/>
-              <a:t>left,right</a:t>
+              <a:t>[left, mid]</a:t>
+            </a:r>
+          </a:p>
+          <a:p>
+            <a:endParaRPr lang="zh-CN" altLang="en-US" dirty="0"/>
+          </a:p>
+        </p:txBody>
+      </p:sp>
+      <p:graphicFrame>
+        <p:nvGraphicFramePr>
+          <p:cNvPr id="8" name="表格 7">
+            <a:extLst>
+              <a:ext uri="{FF2B5EF4-FFF2-40B4-BE49-F238E27FC236}">
+                <a16:creationId xmlns:a16="http://schemas.microsoft.com/office/drawing/2014/main" id="{FC0147A4-CD34-4863-8D27-59BE282DF546}"/>
+              </a:ext>
+            </a:extLst>
+          </p:cNvPr>
+          <p:cNvGraphicFramePr>
+            <a:graphicFrameLocks noGrp="1"/>
+          </p:cNvGraphicFramePr>
+          <p:nvPr>
+            <p:extLst>
+              <p:ext uri="{D42A27DB-BD31-4B8C-83A1-F6EECF244321}">
+                <p14:modId xmlns:p14="http://schemas.microsoft.com/office/powerpoint/2010/main" val="2815473135"/>
+              </p:ext>
+            </p:extLst>
+          </p:nvPr>
+        </p:nvGraphicFramePr>
+        <p:xfrm>
+          <a:off x="2032000" y="3727431"/>
+          <a:ext cx="8128000" cy="370840"/>
+        </p:xfrm>
+        <a:graphic>
+          <a:graphicData uri="http://schemas.openxmlformats.org/drawingml/2006/table">
+            <a:tbl>
+              <a:tblPr firstRow="1" bandRow="1">
+                <a:tableStyleId>{5C22544A-7EE6-4342-B048-85BDC9FD1C3A}</a:tableStyleId>
+              </a:tblPr>
+              <a:tblGrid>
+                <a:gridCol w="1625600">
+                  <a:extLst>
+                    <a:ext uri="{9D8B030D-6E8A-4147-A177-3AD203B41FA5}">
+                      <a16:colId xmlns:a16="http://schemas.microsoft.com/office/drawing/2014/main" val="104674411"/>
+                    </a:ext>
+                  </a:extLst>
+                </a:gridCol>
+                <a:gridCol w="1625600">
+                  <a:extLst>
+                    <a:ext uri="{9D8B030D-6E8A-4147-A177-3AD203B41FA5}">
+                      <a16:colId xmlns:a16="http://schemas.microsoft.com/office/drawing/2014/main" val="3429049878"/>
+                    </a:ext>
+                  </a:extLst>
+                </a:gridCol>
+                <a:gridCol w="1625600">
+                  <a:extLst>
+                    <a:ext uri="{9D8B030D-6E8A-4147-A177-3AD203B41FA5}">
+                      <a16:colId xmlns:a16="http://schemas.microsoft.com/office/drawing/2014/main" val="945761958"/>
+                    </a:ext>
+                  </a:extLst>
+                </a:gridCol>
+                <a:gridCol w="1625600">
+                  <a:extLst>
+                    <a:ext uri="{9D8B030D-6E8A-4147-A177-3AD203B41FA5}">
+                      <a16:colId xmlns:a16="http://schemas.microsoft.com/office/drawing/2014/main" val="3990083254"/>
+                    </a:ext>
+                  </a:extLst>
+                </a:gridCol>
+                <a:gridCol w="1625600">
+                  <a:extLst>
+                    <a:ext uri="{9D8B030D-6E8A-4147-A177-3AD203B41FA5}">
+                      <a16:colId xmlns:a16="http://schemas.microsoft.com/office/drawing/2014/main" val="3038716930"/>
+                    </a:ext>
+                  </a:extLst>
+                </a:gridCol>
+              </a:tblGrid>
+              <a:tr h="370840">
+                <a:tc>
+                  <a:txBody>
+                    <a:bodyPr/>
+                    <a:lstStyle/>
+                    <a:p>
+                      <a:r>
+                        <a:rPr lang="en-US" altLang="zh-CN" dirty="0"/>
+                        <a:t>2</a:t>
+                      </a:r>
+                      <a:endParaRPr lang="zh-CN" altLang="en-US" dirty="0"/>
+                    </a:p>
+                  </a:txBody>
+                  <a:tcPr/>
+                </a:tc>
+                <a:tc>
+                  <a:txBody>
+                    <a:bodyPr/>
+                    <a:lstStyle/>
+                    <a:p>
+                      <a:r>
+                        <a:rPr lang="en-US" altLang="zh-CN" dirty="0"/>
+                        <a:t>0</a:t>
+                      </a:r>
+                      <a:endParaRPr lang="zh-CN" altLang="en-US" dirty="0"/>
+                    </a:p>
+                  </a:txBody>
+                  <a:tcPr/>
+                </a:tc>
+                <a:tc>
+                  <a:txBody>
+                    <a:bodyPr/>
+                    <a:lstStyle/>
+                    <a:p>
+                      <a:r>
+                        <a:rPr lang="en-US" altLang="zh-CN" dirty="0"/>
+                        <a:t>1</a:t>
+                      </a:r>
+                      <a:endParaRPr lang="zh-CN" altLang="en-US" dirty="0"/>
+                    </a:p>
+                  </a:txBody>
+                  <a:tcPr/>
+                </a:tc>
+                <a:tc>
+                  <a:txBody>
+                    <a:bodyPr/>
+                    <a:lstStyle/>
+                    <a:p>
+                      <a:r>
+                        <a:rPr lang="en-US" altLang="zh-CN" dirty="0"/>
+                        <a:t>2</a:t>
+                      </a:r>
+                      <a:endParaRPr lang="zh-CN" altLang="en-US" dirty="0"/>
+                    </a:p>
+                  </a:txBody>
+                  <a:tcPr/>
+                </a:tc>
+                <a:tc>
+                  <a:txBody>
+                    <a:bodyPr/>
+                    <a:lstStyle/>
+                    <a:p>
+                      <a:r>
+                        <a:rPr lang="en-US" altLang="zh-CN" dirty="0"/>
+                        <a:t>2</a:t>
+                      </a:r>
+                      <a:endParaRPr lang="zh-CN" altLang="en-US" dirty="0"/>
+                    </a:p>
+                  </a:txBody>
+                  <a:tcPr/>
+                </a:tc>
+                <a:extLst>
+                  <a:ext uri="{0D108BD9-81ED-4DB2-BD59-A6C34878D82A}">
+                    <a16:rowId xmlns:a16="http://schemas.microsoft.com/office/drawing/2014/main" val="326857466"/>
+                  </a:ext>
+                </a:extLst>
+              </a:tr>
+            </a:tbl>
+          </a:graphicData>
+        </a:graphic>
+      </p:graphicFrame>
+      <p:graphicFrame>
+        <p:nvGraphicFramePr>
+          <p:cNvPr id="9" name="表格 8">
+            <a:extLst>
+              <a:ext uri="{FF2B5EF4-FFF2-40B4-BE49-F238E27FC236}">
+                <a16:creationId xmlns:a16="http://schemas.microsoft.com/office/drawing/2014/main" id="{A950D139-9FC2-4590-845F-EA5698CB4C64}"/>
+              </a:ext>
+            </a:extLst>
+          </p:cNvPr>
+          <p:cNvGraphicFramePr>
+            <a:graphicFrameLocks noGrp="1"/>
+          </p:cNvGraphicFramePr>
+          <p:nvPr>
+            <p:extLst>
+              <p:ext uri="{D42A27DB-BD31-4B8C-83A1-F6EECF244321}">
+                <p14:modId xmlns:p14="http://schemas.microsoft.com/office/powerpoint/2010/main" val="3584092163"/>
+              </p:ext>
+            </p:extLst>
+          </p:nvPr>
+        </p:nvGraphicFramePr>
+        <p:xfrm>
+          <a:off x="5283200" y="5101002"/>
+          <a:ext cx="4876800" cy="370840"/>
+        </p:xfrm>
+        <a:graphic>
+          <a:graphicData uri="http://schemas.openxmlformats.org/drawingml/2006/table">
+            <a:tbl>
+              <a:tblPr firstRow="1" bandRow="1">
+                <a:tableStyleId>{5C22544A-7EE6-4342-B048-85BDC9FD1C3A}</a:tableStyleId>
+              </a:tblPr>
+              <a:tblGrid>
+                <a:gridCol w="1625600">
+                  <a:extLst>
+                    <a:ext uri="{9D8B030D-6E8A-4147-A177-3AD203B41FA5}">
+                      <a16:colId xmlns:a16="http://schemas.microsoft.com/office/drawing/2014/main" val="3923012063"/>
+                    </a:ext>
+                  </a:extLst>
+                </a:gridCol>
+                <a:gridCol w="1625600">
+                  <a:extLst>
+                    <a:ext uri="{9D8B030D-6E8A-4147-A177-3AD203B41FA5}">
+                      <a16:colId xmlns:a16="http://schemas.microsoft.com/office/drawing/2014/main" val="1370588930"/>
+                    </a:ext>
+                  </a:extLst>
+                </a:gridCol>
+                <a:gridCol w="1625600">
+                  <a:extLst>
+                    <a:ext uri="{9D8B030D-6E8A-4147-A177-3AD203B41FA5}">
+                      <a16:colId xmlns:a16="http://schemas.microsoft.com/office/drawing/2014/main" val="930302810"/>
+                    </a:ext>
+                  </a:extLst>
+                </a:gridCol>
+              </a:tblGrid>
+              <a:tr h="370840">
+                <a:tc>
+                  <a:txBody>
+                    <a:bodyPr/>
+                    <a:lstStyle/>
+                    <a:p>
+                      <a:r>
+                        <a:rPr lang="en-US" altLang="zh-CN" dirty="0"/>
+                        <a:t>1</a:t>
+                      </a:r>
+                      <a:endParaRPr lang="zh-CN" altLang="en-US" dirty="0"/>
+                    </a:p>
+                  </a:txBody>
+                  <a:tcPr/>
+                </a:tc>
+                <a:tc>
+                  <a:txBody>
+                    <a:bodyPr/>
+                    <a:lstStyle/>
+                    <a:p>
+                      <a:r>
+                        <a:rPr lang="en-US" altLang="zh-CN" dirty="0"/>
+                        <a:t>2</a:t>
+                      </a:r>
+                      <a:endParaRPr lang="zh-CN" altLang="en-US" dirty="0"/>
+                    </a:p>
+                  </a:txBody>
+                  <a:tcPr/>
+                </a:tc>
+                <a:tc>
+                  <a:txBody>
+                    <a:bodyPr/>
+                    <a:lstStyle/>
+                    <a:p>
+                      <a:r>
+                        <a:rPr lang="en-US" altLang="zh-CN" dirty="0"/>
+                        <a:t>2</a:t>
+                      </a:r>
+                      <a:endParaRPr lang="zh-CN" altLang="en-US" dirty="0"/>
+                    </a:p>
+                  </a:txBody>
+                  <a:tcPr/>
+                </a:tc>
+                <a:extLst>
+                  <a:ext uri="{0D108BD9-81ED-4DB2-BD59-A6C34878D82A}">
+                    <a16:rowId xmlns:a16="http://schemas.microsoft.com/office/drawing/2014/main" val="2626161809"/>
+                  </a:ext>
+                </a:extLst>
+              </a:tr>
+            </a:tbl>
+          </a:graphicData>
+        </a:graphic>
+      </p:graphicFrame>
+      <p:graphicFrame>
+        <p:nvGraphicFramePr>
+          <p:cNvPr id="10" name="表格 9">
+            <a:extLst>
+              <a:ext uri="{FF2B5EF4-FFF2-40B4-BE49-F238E27FC236}">
+                <a16:creationId xmlns:a16="http://schemas.microsoft.com/office/drawing/2014/main" id="{33217BAF-A771-4966-9AA1-A0B712E22508}"/>
+              </a:ext>
+            </a:extLst>
+          </p:cNvPr>
+          <p:cNvGraphicFramePr>
+            <a:graphicFrameLocks noGrp="1"/>
+          </p:cNvGraphicFramePr>
+          <p:nvPr>
+            <p:extLst>
+              <p:ext uri="{D42A27DB-BD31-4B8C-83A1-F6EECF244321}">
+                <p14:modId xmlns:p14="http://schemas.microsoft.com/office/powerpoint/2010/main" val="3749354903"/>
+              </p:ext>
+            </p:extLst>
+          </p:nvPr>
+        </p:nvGraphicFramePr>
+        <p:xfrm>
+          <a:off x="3657600" y="5101002"/>
+          <a:ext cx="1625600" cy="370840"/>
+        </p:xfrm>
+        <a:graphic>
+          <a:graphicData uri="http://schemas.openxmlformats.org/drawingml/2006/table">
+            <a:tbl>
+              <a:tblPr firstRow="1" bandRow="1">
+                <a:tableStyleId>{5C22544A-7EE6-4342-B048-85BDC9FD1C3A}</a:tableStyleId>
+              </a:tblPr>
+              <a:tblGrid>
+                <a:gridCol w="1625600">
+                  <a:extLst>
+                    <a:ext uri="{9D8B030D-6E8A-4147-A177-3AD203B41FA5}">
+                      <a16:colId xmlns:a16="http://schemas.microsoft.com/office/drawing/2014/main" val="3689139600"/>
+                    </a:ext>
+                  </a:extLst>
+                </a:gridCol>
+              </a:tblGrid>
+              <a:tr h="370840">
+                <a:tc>
+                  <a:txBody>
+                    <a:bodyPr/>
+                    <a:lstStyle/>
+                    <a:p>
+                      <a:r>
+                        <a:rPr lang="en-US" altLang="zh-CN" dirty="0"/>
+                        <a:t>0</a:t>
+                      </a:r>
+                      <a:endParaRPr lang="zh-CN" altLang="en-US" dirty="0"/>
+                    </a:p>
+                  </a:txBody>
+                  <a:tcPr/>
+                </a:tc>
+                <a:extLst>
+                  <a:ext uri="{0D108BD9-81ED-4DB2-BD59-A6C34878D82A}">
+                    <a16:rowId xmlns:a16="http://schemas.microsoft.com/office/drawing/2014/main" val="1837855090"/>
+                  </a:ext>
+                </a:extLst>
+              </a:tr>
+            </a:tbl>
+          </a:graphicData>
+        </a:graphic>
+      </p:graphicFrame>
+      <p:sp>
+        <p:nvSpPr>
+          <p:cNvPr id="11" name="文本框 10">
+            <a:extLst>
+              <a:ext uri="{FF2B5EF4-FFF2-40B4-BE49-F238E27FC236}">
+                <a16:creationId xmlns:a16="http://schemas.microsoft.com/office/drawing/2014/main" id="{8B3A5D82-A160-45BB-BFD2-34BE8B321902}"/>
+              </a:ext>
+            </a:extLst>
+          </p:cNvPr>
+          <p:cNvSpPr txBox="1"/>
+          <p:nvPr/>
+        </p:nvSpPr>
+        <p:spPr>
+          <a:xfrm>
+            <a:off x="436227" y="4405551"/>
+            <a:ext cx="1377300" cy="369332"/>
+          </a:xfrm>
+          <a:prstGeom prst="rect">
+            <a:avLst/>
+          </a:prstGeom>
+          <a:noFill/>
+        </p:spPr>
+        <p:txBody>
+          <a:bodyPr wrap="none" rtlCol="0">
+            <a:spAutoFit/>
+          </a:bodyPr>
+          <a:lstStyle/>
+          <a:p>
+            <a:r>
+              <a:rPr lang="zh-CN" altLang="en-US" dirty="0"/>
+              <a:t>左有序序列</a:t>
+            </a:r>
+          </a:p>
+        </p:txBody>
+      </p:sp>
+      <p:sp>
+        <p:nvSpPr>
+          <p:cNvPr id="12" name="文本框 11">
+            <a:extLst>
+              <a:ext uri="{FF2B5EF4-FFF2-40B4-BE49-F238E27FC236}">
+                <a16:creationId xmlns:a16="http://schemas.microsoft.com/office/drawing/2014/main" id="{7C588752-BADB-41BE-8EA0-3BA15C3690FE}"/>
+              </a:ext>
+            </a:extLst>
+          </p:cNvPr>
+          <p:cNvSpPr txBox="1"/>
+          <p:nvPr/>
+        </p:nvSpPr>
+        <p:spPr>
+          <a:xfrm>
+            <a:off x="436227" y="5106735"/>
+            <a:ext cx="1338828" cy="369332"/>
+          </a:xfrm>
+          <a:prstGeom prst="rect">
+            <a:avLst/>
+          </a:prstGeom>
+          <a:noFill/>
+        </p:spPr>
+        <p:txBody>
+          <a:bodyPr wrap="none" rtlCol="0">
+            <a:spAutoFit/>
+          </a:bodyPr>
+          <a:lstStyle/>
+          <a:p>
+            <a:r>
+              <a:rPr lang="zh-CN" altLang="en-US" dirty="0"/>
+              <a:t>右有序序列</a:t>
+            </a:r>
+          </a:p>
+        </p:txBody>
+      </p:sp>
+      <p:graphicFrame>
+        <p:nvGraphicFramePr>
+          <p:cNvPr id="13" name="表格 12">
+            <a:extLst>
+              <a:ext uri="{FF2B5EF4-FFF2-40B4-BE49-F238E27FC236}">
+                <a16:creationId xmlns:a16="http://schemas.microsoft.com/office/drawing/2014/main" id="{F84D55BA-0924-4199-8817-47119F7D6A78}"/>
+              </a:ext>
+            </a:extLst>
+          </p:cNvPr>
+          <p:cNvGraphicFramePr>
+            <a:graphicFrameLocks noGrp="1"/>
+          </p:cNvGraphicFramePr>
+          <p:nvPr>
+            <p:extLst>
+              <p:ext uri="{D42A27DB-BD31-4B8C-83A1-F6EECF244321}">
+                <p14:modId xmlns:p14="http://schemas.microsoft.com/office/powerpoint/2010/main" val="1706821203"/>
+              </p:ext>
+            </p:extLst>
+          </p:nvPr>
+        </p:nvGraphicFramePr>
+        <p:xfrm>
+          <a:off x="2032000" y="4414216"/>
+          <a:ext cx="1625600" cy="370840"/>
+        </p:xfrm>
+        <a:graphic>
+          <a:graphicData uri="http://schemas.openxmlformats.org/drawingml/2006/table">
+            <a:tbl>
+              <a:tblPr firstRow="1" bandRow="1">
+                <a:tableStyleId>{5C22544A-7EE6-4342-B048-85BDC9FD1C3A}</a:tableStyleId>
+              </a:tblPr>
+              <a:tblGrid>
+                <a:gridCol w="1625600">
+                  <a:extLst>
+                    <a:ext uri="{9D8B030D-6E8A-4147-A177-3AD203B41FA5}">
+                      <a16:colId xmlns:a16="http://schemas.microsoft.com/office/drawing/2014/main" val="3689139600"/>
+                    </a:ext>
+                  </a:extLst>
+                </a:gridCol>
+              </a:tblGrid>
+              <a:tr h="370840">
+                <a:tc>
+                  <a:txBody>
+                    <a:bodyPr/>
+                    <a:lstStyle/>
+                    <a:p>
+                      <a:r>
+                        <a:rPr lang="en-US" altLang="zh-CN" dirty="0"/>
+                        <a:t>2</a:t>
+                      </a:r>
+                      <a:endParaRPr lang="zh-CN" altLang="en-US" dirty="0"/>
+                    </a:p>
+                  </a:txBody>
+                  <a:tcPr/>
+                </a:tc>
+                <a:extLst>
+                  <a:ext uri="{0D108BD9-81ED-4DB2-BD59-A6C34878D82A}">
+                    <a16:rowId xmlns:a16="http://schemas.microsoft.com/office/drawing/2014/main" val="1837855090"/>
+                  </a:ext>
+                </a:extLst>
+              </a:tr>
+            </a:tbl>
+          </a:graphicData>
+        </a:graphic>
+      </p:graphicFrame>
+      <p:sp>
+        <p:nvSpPr>
+          <p:cNvPr id="2" name="矩形 1">
+            <a:extLst>
+              <a:ext uri="{FF2B5EF4-FFF2-40B4-BE49-F238E27FC236}">
+                <a16:creationId xmlns:a16="http://schemas.microsoft.com/office/drawing/2014/main" id="{728CD83F-3992-4F7E-98EE-64783352DD14}"/>
+              </a:ext>
+            </a:extLst>
+          </p:cNvPr>
+          <p:cNvSpPr/>
+          <p:nvPr/>
+        </p:nvSpPr>
+        <p:spPr>
+          <a:xfrm>
+            <a:off x="436226" y="5777614"/>
+            <a:ext cx="9353725" cy="369332"/>
+          </a:xfrm>
+          <a:prstGeom prst="rect">
+            <a:avLst/>
+          </a:prstGeom>
+        </p:spPr>
+        <p:txBody>
+          <a:bodyPr wrap="square">
+            <a:spAutoFit/>
+          </a:bodyPr>
+          <a:lstStyle/>
+          <a:p>
+            <a:r>
+              <a:rPr lang="zh-CN" altLang="en-US" dirty="0"/>
+              <a:t>由</a:t>
             </a:r>
             <a:r>
               <a:rPr lang="en-US" altLang="zh-CN" dirty="0"/>
-              <a:t>]</a:t>
-            </a:r>
-          </a:p>
-          <a:p>
-            <a:endParaRPr lang="zh-CN" altLang="en-US" dirty="0"/>
+              <a:t>numbers[mid]=1 &lt; numbers[right] = 2</a:t>
+            </a:r>
+            <a:r>
+              <a:rPr lang="zh-CN" altLang="en-US" dirty="0"/>
+              <a:t>得，</a:t>
+            </a:r>
+            <a:r>
+              <a:rPr lang="en-US" altLang="zh-CN" dirty="0"/>
+              <a:t>mid</a:t>
+            </a:r>
+            <a:r>
+              <a:rPr lang="zh-CN" altLang="en-US" dirty="0"/>
+              <a:t>在右有序序列中，因此旋转点在</a:t>
+            </a:r>
+            <a:r>
+              <a:rPr lang="en-US" altLang="zh-CN" dirty="0"/>
+              <a:t>[left, mid]</a:t>
+            </a:r>
           </a:p>
         </p:txBody>
       </p:sp>

--- a/img/剑指Offer.pptx
+++ b/img/剑指Offer.pptx
@@ -9,6 +9,7 @@
     <p:sldId id="257" r:id="rId3"/>
     <p:sldId id="258" r:id="rId4"/>
     <p:sldId id="259" r:id="rId5"/>
+    <p:sldId id="261" r:id="rId6"/>
   </p:sldIdLst>
   <p:sldSz cx="12192000" cy="6858000"/>
   <p:notesSz cx="6858000" cy="9144000"/>
@@ -262,7 +263,7 @@
           <a:p>
             <a:fld id="{89200E72-4878-48D2-9700-6ECB5CA76402}" type="datetimeFigureOut">
               <a:rPr lang="zh-CN" altLang="en-US" smtClean="0"/>
-              <a:t>2022/8/24</a:t>
+              <a:t>2022/8/25</a:t>
             </a:fld>
             <a:endParaRPr lang="zh-CN" altLang="en-US"/>
           </a:p>
@@ -460,7 +461,7 @@
           <a:p>
             <a:fld id="{89200E72-4878-48D2-9700-6ECB5CA76402}" type="datetimeFigureOut">
               <a:rPr lang="zh-CN" altLang="en-US" smtClean="0"/>
-              <a:t>2022/8/24</a:t>
+              <a:t>2022/8/25</a:t>
             </a:fld>
             <a:endParaRPr lang="zh-CN" altLang="en-US"/>
           </a:p>
@@ -668,7 +669,7 @@
           <a:p>
             <a:fld id="{89200E72-4878-48D2-9700-6ECB5CA76402}" type="datetimeFigureOut">
               <a:rPr lang="zh-CN" altLang="en-US" smtClean="0"/>
-              <a:t>2022/8/24</a:t>
+              <a:t>2022/8/25</a:t>
             </a:fld>
             <a:endParaRPr lang="zh-CN" altLang="en-US"/>
           </a:p>
@@ -866,7 +867,7 @@
           <a:p>
             <a:fld id="{89200E72-4878-48D2-9700-6ECB5CA76402}" type="datetimeFigureOut">
               <a:rPr lang="zh-CN" altLang="en-US" smtClean="0"/>
-              <a:t>2022/8/24</a:t>
+              <a:t>2022/8/25</a:t>
             </a:fld>
             <a:endParaRPr lang="zh-CN" altLang="en-US"/>
           </a:p>
@@ -1141,7 +1142,7 @@
           <a:p>
             <a:fld id="{89200E72-4878-48D2-9700-6ECB5CA76402}" type="datetimeFigureOut">
               <a:rPr lang="zh-CN" altLang="en-US" smtClean="0"/>
-              <a:t>2022/8/24</a:t>
+              <a:t>2022/8/25</a:t>
             </a:fld>
             <a:endParaRPr lang="zh-CN" altLang="en-US"/>
           </a:p>
@@ -1406,7 +1407,7 @@
           <a:p>
             <a:fld id="{89200E72-4878-48D2-9700-6ECB5CA76402}" type="datetimeFigureOut">
               <a:rPr lang="zh-CN" altLang="en-US" smtClean="0"/>
-              <a:t>2022/8/24</a:t>
+              <a:t>2022/8/25</a:t>
             </a:fld>
             <a:endParaRPr lang="zh-CN" altLang="en-US"/>
           </a:p>
@@ -1818,7 +1819,7 @@
           <a:p>
             <a:fld id="{89200E72-4878-48D2-9700-6ECB5CA76402}" type="datetimeFigureOut">
               <a:rPr lang="zh-CN" altLang="en-US" smtClean="0"/>
-              <a:t>2022/8/24</a:t>
+              <a:t>2022/8/25</a:t>
             </a:fld>
             <a:endParaRPr lang="zh-CN" altLang="en-US"/>
           </a:p>
@@ -1959,7 +1960,7 @@
           <a:p>
             <a:fld id="{89200E72-4878-48D2-9700-6ECB5CA76402}" type="datetimeFigureOut">
               <a:rPr lang="zh-CN" altLang="en-US" smtClean="0"/>
-              <a:t>2022/8/24</a:t>
+              <a:t>2022/8/25</a:t>
             </a:fld>
             <a:endParaRPr lang="zh-CN" altLang="en-US"/>
           </a:p>
@@ -2072,7 +2073,7 @@
           <a:p>
             <a:fld id="{89200E72-4878-48D2-9700-6ECB5CA76402}" type="datetimeFigureOut">
               <a:rPr lang="zh-CN" altLang="en-US" smtClean="0"/>
-              <a:t>2022/8/24</a:t>
+              <a:t>2022/8/25</a:t>
             </a:fld>
             <a:endParaRPr lang="zh-CN" altLang="en-US"/>
           </a:p>
@@ -2383,7 +2384,7 @@
           <a:p>
             <a:fld id="{89200E72-4878-48D2-9700-6ECB5CA76402}" type="datetimeFigureOut">
               <a:rPr lang="zh-CN" altLang="en-US" smtClean="0"/>
-              <a:t>2022/8/24</a:t>
+              <a:t>2022/8/25</a:t>
             </a:fld>
             <a:endParaRPr lang="zh-CN" altLang="en-US"/>
           </a:p>
@@ -2671,7 +2672,7 @@
           <a:p>
             <a:fld id="{89200E72-4878-48D2-9700-6ECB5CA76402}" type="datetimeFigureOut">
               <a:rPr lang="zh-CN" altLang="en-US" smtClean="0"/>
-              <a:t>2022/8/24</a:t>
+              <a:t>2022/8/25</a:t>
             </a:fld>
             <a:endParaRPr lang="zh-CN" altLang="en-US"/>
           </a:p>
@@ -2912,7 +2913,7 @@
           <a:p>
             <a:fld id="{89200E72-4878-48D2-9700-6ECB5CA76402}" type="datetimeFigureOut">
               <a:rPr lang="zh-CN" altLang="en-US" smtClean="0"/>
-              <a:t>2022/8/24</a:t>
+              <a:t>2022/8/25</a:t>
             </a:fld>
             <a:endParaRPr lang="zh-CN" altLang="en-US"/>
           </a:p>
@@ -9602,6 +9603,615 @@
 </p:sld>
 </file>
 
+<file path=ppt/slides/slide5.xml><?xml version="1.0" encoding="utf-8"?>
+<p:sld xmlns:a="http://schemas.openxmlformats.org/drawingml/2006/main" xmlns:r="http://schemas.openxmlformats.org/officeDocument/2006/relationships" xmlns:p="http://schemas.openxmlformats.org/presentationml/2006/main">
+  <p:cSld>
+    <p:spTree>
+      <p:nvGrpSpPr>
+        <p:cNvPr id="1" name=""/>
+        <p:cNvGrpSpPr/>
+        <p:nvPr/>
+      </p:nvGrpSpPr>
+      <p:grpSpPr>
+        <a:xfrm>
+          <a:off x="0" y="0"/>
+          <a:ext cx="0" cy="0"/>
+          <a:chOff x="0" y="0"/>
+          <a:chExt cx="0" cy="0"/>
+        </a:xfrm>
+      </p:grpSpPr>
+      <p:cxnSp>
+        <p:nvCxnSpPr>
+          <p:cNvPr id="15" name="直接连接符 14">
+            <a:extLst>
+              <a:ext uri="{FF2B5EF4-FFF2-40B4-BE49-F238E27FC236}">
+                <a16:creationId xmlns:a16="http://schemas.microsoft.com/office/drawing/2014/main" id="{B8ABB13E-DF0B-4166-9AF4-D0BEC88211D3}"/>
+              </a:ext>
+            </a:extLst>
+          </p:cNvPr>
+          <p:cNvCxnSpPr/>
+          <p:nvPr/>
+        </p:nvCxnSpPr>
+        <p:spPr>
+          <a:xfrm>
+            <a:off x="536894" y="3210889"/>
+            <a:ext cx="1023457" cy="0"/>
+          </a:xfrm>
+          <a:prstGeom prst="line">
+            <a:avLst/>
+          </a:prstGeom>
+        </p:spPr>
+        <p:style>
+          <a:lnRef idx="3">
+            <a:schemeClr val="accent1"/>
+          </a:lnRef>
+          <a:fillRef idx="0">
+            <a:schemeClr val="accent1"/>
+          </a:fillRef>
+          <a:effectRef idx="2">
+            <a:schemeClr val="accent1"/>
+          </a:effectRef>
+          <a:fontRef idx="minor">
+            <a:schemeClr val="tx1"/>
+          </a:fontRef>
+        </p:style>
+      </p:cxnSp>
+      <p:cxnSp>
+        <p:nvCxnSpPr>
+          <p:cNvPr id="17" name="直接连接符 16">
+            <a:extLst>
+              <a:ext uri="{FF2B5EF4-FFF2-40B4-BE49-F238E27FC236}">
+                <a16:creationId xmlns:a16="http://schemas.microsoft.com/office/drawing/2014/main" id="{04D44356-B80B-48F0-B9D4-A006A2381D42}"/>
+              </a:ext>
+            </a:extLst>
+          </p:cNvPr>
+          <p:cNvCxnSpPr/>
+          <p:nvPr/>
+        </p:nvCxnSpPr>
+        <p:spPr>
+          <a:xfrm>
+            <a:off x="1754696" y="3210889"/>
+            <a:ext cx="1023457" cy="0"/>
+          </a:xfrm>
+          <a:prstGeom prst="line">
+            <a:avLst/>
+          </a:prstGeom>
+        </p:spPr>
+        <p:style>
+          <a:lnRef idx="3">
+            <a:schemeClr val="accent1"/>
+          </a:lnRef>
+          <a:fillRef idx="0">
+            <a:schemeClr val="accent1"/>
+          </a:fillRef>
+          <a:effectRef idx="2">
+            <a:schemeClr val="accent1"/>
+          </a:effectRef>
+          <a:fontRef idx="minor">
+            <a:schemeClr val="tx1"/>
+          </a:fontRef>
+        </p:style>
+      </p:cxnSp>
+      <p:cxnSp>
+        <p:nvCxnSpPr>
+          <p:cNvPr id="21" name="直接连接符 20">
+            <a:extLst>
+              <a:ext uri="{FF2B5EF4-FFF2-40B4-BE49-F238E27FC236}">
+                <a16:creationId xmlns:a16="http://schemas.microsoft.com/office/drawing/2014/main" id="{FD708DFC-AE93-41C3-AD56-162A22E3F0B1}"/>
+              </a:ext>
+            </a:extLst>
+          </p:cNvPr>
+          <p:cNvCxnSpPr/>
+          <p:nvPr/>
+        </p:nvCxnSpPr>
+        <p:spPr>
+          <a:xfrm>
+            <a:off x="2979488" y="3210889"/>
+            <a:ext cx="1023457" cy="0"/>
+          </a:xfrm>
+          <a:prstGeom prst="line">
+            <a:avLst/>
+          </a:prstGeom>
+        </p:spPr>
+        <p:style>
+          <a:lnRef idx="3">
+            <a:schemeClr val="accent1"/>
+          </a:lnRef>
+          <a:fillRef idx="0">
+            <a:schemeClr val="accent1"/>
+          </a:fillRef>
+          <a:effectRef idx="2">
+            <a:schemeClr val="accent1"/>
+          </a:effectRef>
+          <a:fontRef idx="minor">
+            <a:schemeClr val="tx1"/>
+          </a:fontRef>
+        </p:style>
+      </p:cxnSp>
+      <p:cxnSp>
+        <p:nvCxnSpPr>
+          <p:cNvPr id="22" name="直接连接符 21">
+            <a:extLst>
+              <a:ext uri="{FF2B5EF4-FFF2-40B4-BE49-F238E27FC236}">
+                <a16:creationId xmlns:a16="http://schemas.microsoft.com/office/drawing/2014/main" id="{422B34D1-5025-49C3-9E73-2EC05AEC6B56}"/>
+              </a:ext>
+            </a:extLst>
+          </p:cNvPr>
+          <p:cNvCxnSpPr/>
+          <p:nvPr/>
+        </p:nvCxnSpPr>
+        <p:spPr>
+          <a:xfrm>
+            <a:off x="4197290" y="3210889"/>
+            <a:ext cx="1023457" cy="0"/>
+          </a:xfrm>
+          <a:prstGeom prst="line">
+            <a:avLst/>
+          </a:prstGeom>
+        </p:spPr>
+        <p:style>
+          <a:lnRef idx="3">
+            <a:schemeClr val="accent1"/>
+          </a:lnRef>
+          <a:fillRef idx="0">
+            <a:schemeClr val="accent1"/>
+          </a:fillRef>
+          <a:effectRef idx="2">
+            <a:schemeClr val="accent1"/>
+          </a:effectRef>
+          <a:fontRef idx="minor">
+            <a:schemeClr val="tx1"/>
+          </a:fontRef>
+        </p:style>
+      </p:cxnSp>
+      <p:cxnSp>
+        <p:nvCxnSpPr>
+          <p:cNvPr id="23" name="直接连接符 22">
+            <a:extLst>
+              <a:ext uri="{FF2B5EF4-FFF2-40B4-BE49-F238E27FC236}">
+                <a16:creationId xmlns:a16="http://schemas.microsoft.com/office/drawing/2014/main" id="{62B8C8FF-26E4-49C1-AC01-E2D625243BEC}"/>
+              </a:ext>
+            </a:extLst>
+          </p:cNvPr>
+          <p:cNvCxnSpPr/>
+          <p:nvPr/>
+        </p:nvCxnSpPr>
+        <p:spPr>
+          <a:xfrm>
+            <a:off x="5936609" y="3210889"/>
+            <a:ext cx="1023457" cy="0"/>
+          </a:xfrm>
+          <a:prstGeom prst="line">
+            <a:avLst/>
+          </a:prstGeom>
+        </p:spPr>
+        <p:style>
+          <a:lnRef idx="3">
+            <a:schemeClr val="accent1"/>
+          </a:lnRef>
+          <a:fillRef idx="0">
+            <a:schemeClr val="accent1"/>
+          </a:fillRef>
+          <a:effectRef idx="2">
+            <a:schemeClr val="accent1"/>
+          </a:effectRef>
+          <a:fontRef idx="minor">
+            <a:schemeClr val="tx1"/>
+          </a:fontRef>
+        </p:style>
+      </p:cxnSp>
+      <p:sp>
+        <p:nvSpPr>
+          <p:cNvPr id="24" name="左大括号 23">
+            <a:extLst>
+              <a:ext uri="{FF2B5EF4-FFF2-40B4-BE49-F238E27FC236}">
+                <a16:creationId xmlns:a16="http://schemas.microsoft.com/office/drawing/2014/main" id="{8251C351-AC30-4105-AE51-66A4C2721D20}"/>
+              </a:ext>
+            </a:extLst>
+          </p:cNvPr>
+          <p:cNvSpPr/>
+          <p:nvPr/>
+        </p:nvSpPr>
+        <p:spPr>
+          <a:xfrm rot="16200000">
+            <a:off x="2697760" y="1788251"/>
+            <a:ext cx="402671" cy="3700947"/>
+          </a:xfrm>
+          <a:prstGeom prst="leftBrace">
+            <a:avLst/>
+          </a:prstGeom>
+        </p:spPr>
+        <p:style>
+          <a:lnRef idx="1">
+            <a:schemeClr val="accent1"/>
+          </a:lnRef>
+          <a:fillRef idx="0">
+            <a:schemeClr val="accent1"/>
+          </a:fillRef>
+          <a:effectRef idx="0">
+            <a:schemeClr val="accent1"/>
+          </a:effectRef>
+          <a:fontRef idx="minor">
+            <a:schemeClr val="tx1"/>
+          </a:fontRef>
+        </p:style>
+        <p:txBody>
+          <a:bodyPr rtlCol="0" anchor="ctr"/>
+          <a:lstStyle/>
+          <a:p>
+            <a:pPr algn="ctr"/>
+            <a:endParaRPr lang="zh-CN" altLang="en-US"/>
+          </a:p>
+        </p:txBody>
+      </p:sp>
+      <p:sp>
+        <p:nvSpPr>
+          <p:cNvPr id="25" name="文本框 24">
+            <a:extLst>
+              <a:ext uri="{FF2B5EF4-FFF2-40B4-BE49-F238E27FC236}">
+                <a16:creationId xmlns:a16="http://schemas.microsoft.com/office/drawing/2014/main" id="{F8ACCA7E-F872-4405-80E3-2A2C83CD242A}"/>
+              </a:ext>
+            </a:extLst>
+          </p:cNvPr>
+          <p:cNvSpPr txBox="1"/>
+          <p:nvPr/>
+        </p:nvSpPr>
+        <p:spPr>
+          <a:xfrm>
+            <a:off x="1959443" y="4202884"/>
+            <a:ext cx="2274982" cy="646331"/>
+          </a:xfrm>
+          <a:prstGeom prst="rect">
+            <a:avLst/>
+          </a:prstGeom>
+          <a:noFill/>
+        </p:spPr>
+        <p:txBody>
+          <a:bodyPr wrap="none" rtlCol="0">
+            <a:spAutoFit/>
+          </a:bodyPr>
+          <a:lstStyle/>
+          <a:p>
+            <a:r>
+              <a:rPr lang="en-US" altLang="zh-CN" dirty="0"/>
+              <a:t>a-1</a:t>
+            </a:r>
+            <a:r>
+              <a:rPr lang="zh-CN" altLang="en-US" dirty="0"/>
+              <a:t>个长度为</a:t>
+            </a:r>
+            <a:r>
+              <a:rPr lang="en-US" altLang="zh-CN" dirty="0"/>
+              <a:t>3</a:t>
+            </a:r>
+            <a:r>
+              <a:rPr lang="zh-CN" altLang="en-US" dirty="0"/>
+              <a:t>的片段</a:t>
+            </a:r>
+            <a:endParaRPr lang="en-US" altLang="zh-CN" dirty="0"/>
+          </a:p>
+          <a:p>
+            <a:r>
+              <a:rPr lang="zh-CN" altLang="en-US" dirty="0"/>
+              <a:t>累乘得</a:t>
+            </a:r>
+            <a:r>
+              <a:rPr lang="en-US" altLang="zh-CN" dirty="0"/>
+              <a:t>answer</a:t>
+            </a:r>
+          </a:p>
+        </p:txBody>
+      </p:sp>
+      <p:sp>
+        <p:nvSpPr>
+          <p:cNvPr id="27" name="文本框 26">
+            <a:extLst>
+              <a:ext uri="{FF2B5EF4-FFF2-40B4-BE49-F238E27FC236}">
+                <a16:creationId xmlns:a16="http://schemas.microsoft.com/office/drawing/2014/main" id="{AB974FF5-4C54-4BA6-92B8-506AF4E23A30}"/>
+              </a:ext>
+            </a:extLst>
+          </p:cNvPr>
+          <p:cNvSpPr txBox="1"/>
+          <p:nvPr/>
+        </p:nvSpPr>
+        <p:spPr>
+          <a:xfrm>
+            <a:off x="5314052" y="4202884"/>
+            <a:ext cx="2268570" cy="369332"/>
+          </a:xfrm>
+          <a:prstGeom prst="rect">
+            <a:avLst/>
+          </a:prstGeom>
+          <a:noFill/>
+        </p:spPr>
+        <p:txBody>
+          <a:bodyPr wrap="none" rtlCol="0">
+            <a:spAutoFit/>
+          </a:bodyPr>
+          <a:lstStyle/>
+          <a:p>
+            <a:r>
+              <a:rPr lang="zh-CN" altLang="en-US" dirty="0"/>
+              <a:t>第</a:t>
+            </a:r>
+            <a:r>
+              <a:rPr lang="en-US" altLang="zh-CN" dirty="0"/>
+              <a:t>a</a:t>
+            </a:r>
+            <a:r>
+              <a:rPr lang="zh-CN" altLang="en-US" dirty="0"/>
+              <a:t>个长度为</a:t>
+            </a:r>
+            <a:r>
+              <a:rPr lang="en-US" altLang="zh-CN" dirty="0"/>
+              <a:t>3</a:t>
+            </a:r>
+            <a:r>
+              <a:rPr lang="zh-CN" altLang="en-US" dirty="0"/>
+              <a:t>的片段</a:t>
+            </a:r>
+          </a:p>
+        </p:txBody>
+      </p:sp>
+      <p:cxnSp>
+        <p:nvCxnSpPr>
+          <p:cNvPr id="29" name="直接连接符 28">
+            <a:extLst>
+              <a:ext uri="{FF2B5EF4-FFF2-40B4-BE49-F238E27FC236}">
+                <a16:creationId xmlns:a16="http://schemas.microsoft.com/office/drawing/2014/main" id="{6A4A0943-9BCA-47FA-80CD-37B8867F7CAB}"/>
+              </a:ext>
+            </a:extLst>
+          </p:cNvPr>
+          <p:cNvCxnSpPr>
+            <a:cxnSpLocks/>
+          </p:cNvCxnSpPr>
+          <p:nvPr/>
+        </p:nvCxnSpPr>
+        <p:spPr>
+          <a:xfrm>
+            <a:off x="8200237" y="3840060"/>
+            <a:ext cx="562062" cy="0"/>
+          </a:xfrm>
+          <a:prstGeom prst="line">
+            <a:avLst/>
+          </a:prstGeom>
+        </p:spPr>
+        <p:style>
+          <a:lnRef idx="3">
+            <a:schemeClr val="accent1"/>
+          </a:lnRef>
+          <a:fillRef idx="0">
+            <a:schemeClr val="accent1"/>
+          </a:fillRef>
+          <a:effectRef idx="2">
+            <a:schemeClr val="accent1"/>
+          </a:effectRef>
+          <a:fontRef idx="minor">
+            <a:schemeClr val="tx1"/>
+          </a:fontRef>
+        </p:style>
+      </p:cxnSp>
+      <p:cxnSp>
+        <p:nvCxnSpPr>
+          <p:cNvPr id="33" name="直接连接符 32">
+            <a:extLst>
+              <a:ext uri="{FF2B5EF4-FFF2-40B4-BE49-F238E27FC236}">
+                <a16:creationId xmlns:a16="http://schemas.microsoft.com/office/drawing/2014/main" id="{9B56803C-37E4-453F-A816-73E1A2333C37}"/>
+              </a:ext>
+            </a:extLst>
+          </p:cNvPr>
+          <p:cNvCxnSpPr>
+            <a:cxnSpLocks/>
+          </p:cNvCxnSpPr>
+          <p:nvPr/>
+        </p:nvCxnSpPr>
+        <p:spPr>
+          <a:xfrm>
+            <a:off x="8200237" y="2560041"/>
+            <a:ext cx="281031" cy="0"/>
+          </a:xfrm>
+          <a:prstGeom prst="line">
+            <a:avLst/>
+          </a:prstGeom>
+        </p:spPr>
+        <p:style>
+          <a:lnRef idx="3">
+            <a:schemeClr val="accent1"/>
+          </a:lnRef>
+          <a:fillRef idx="0">
+            <a:schemeClr val="accent1"/>
+          </a:fillRef>
+          <a:effectRef idx="2">
+            <a:schemeClr val="accent1"/>
+          </a:effectRef>
+          <a:fontRef idx="minor">
+            <a:schemeClr val="tx1"/>
+          </a:fontRef>
+        </p:style>
+      </p:cxnSp>
+      <p:sp>
+        <p:nvSpPr>
+          <p:cNvPr id="34" name="文本框 33">
+            <a:extLst>
+              <a:ext uri="{FF2B5EF4-FFF2-40B4-BE49-F238E27FC236}">
+                <a16:creationId xmlns:a16="http://schemas.microsoft.com/office/drawing/2014/main" id="{E88217DB-435A-44A9-A4EC-678C484C574F}"/>
+              </a:ext>
+            </a:extLst>
+          </p:cNvPr>
+          <p:cNvSpPr txBox="1"/>
+          <p:nvPr/>
+        </p:nvSpPr>
+        <p:spPr>
+          <a:xfrm>
+            <a:off x="8091180" y="2830719"/>
+            <a:ext cx="2789546" cy="369332"/>
+          </a:xfrm>
+          <a:prstGeom prst="rect">
+            <a:avLst/>
+          </a:prstGeom>
+          <a:noFill/>
+        </p:spPr>
+        <p:txBody>
+          <a:bodyPr wrap="none" rtlCol="0">
+            <a:spAutoFit/>
+          </a:bodyPr>
+          <a:lstStyle/>
+          <a:p>
+            <a:r>
+              <a:rPr lang="en-US" altLang="zh-CN" dirty="0"/>
+              <a:t>b = 1</a:t>
+            </a:r>
+            <a:r>
+              <a:rPr lang="zh-CN" altLang="en-US" dirty="0"/>
+              <a:t>，返回</a:t>
+            </a:r>
+            <a:r>
+              <a:rPr lang="en-US" altLang="zh-CN" dirty="0"/>
+              <a:t>answer * 2 * 2</a:t>
+            </a:r>
+            <a:endParaRPr lang="zh-CN" altLang="en-US" dirty="0"/>
+          </a:p>
+        </p:txBody>
+      </p:sp>
+      <p:sp>
+        <p:nvSpPr>
+          <p:cNvPr id="36" name="文本框 35">
+            <a:extLst>
+              <a:ext uri="{FF2B5EF4-FFF2-40B4-BE49-F238E27FC236}">
+                <a16:creationId xmlns:a16="http://schemas.microsoft.com/office/drawing/2014/main" id="{3D2CC748-4BD7-4014-8721-D7E370777809}"/>
+              </a:ext>
+            </a:extLst>
+          </p:cNvPr>
+          <p:cNvSpPr txBox="1"/>
+          <p:nvPr/>
+        </p:nvSpPr>
+        <p:spPr>
+          <a:xfrm>
+            <a:off x="8091180" y="4156717"/>
+            <a:ext cx="2789546" cy="369332"/>
+          </a:xfrm>
+          <a:prstGeom prst="rect">
+            <a:avLst/>
+          </a:prstGeom>
+          <a:noFill/>
+        </p:spPr>
+        <p:txBody>
+          <a:bodyPr wrap="none" rtlCol="0">
+            <a:spAutoFit/>
+          </a:bodyPr>
+          <a:lstStyle/>
+          <a:p>
+            <a:r>
+              <a:rPr lang="en-US" altLang="zh-CN" dirty="0"/>
+              <a:t>b = 2</a:t>
+            </a:r>
+            <a:r>
+              <a:rPr lang="zh-CN" altLang="en-US" dirty="0"/>
+              <a:t>，返回</a:t>
+            </a:r>
+            <a:r>
+              <a:rPr lang="en-US" altLang="zh-CN" dirty="0"/>
+              <a:t>answer * 3 * 2</a:t>
+            </a:r>
+            <a:endParaRPr lang="zh-CN" altLang="en-US" dirty="0"/>
+          </a:p>
+        </p:txBody>
+      </p:sp>
+      <p:sp>
+        <p:nvSpPr>
+          <p:cNvPr id="37" name="文本框 36">
+            <a:extLst>
+              <a:ext uri="{FF2B5EF4-FFF2-40B4-BE49-F238E27FC236}">
+                <a16:creationId xmlns:a16="http://schemas.microsoft.com/office/drawing/2014/main" id="{FDD99819-DDB8-4E30-87CE-9997E51D4852}"/>
+              </a:ext>
+            </a:extLst>
+          </p:cNvPr>
+          <p:cNvSpPr txBox="1"/>
+          <p:nvPr/>
+        </p:nvSpPr>
+        <p:spPr>
+          <a:xfrm>
+            <a:off x="8091180" y="1603375"/>
+            <a:ext cx="2448106" cy="369332"/>
+          </a:xfrm>
+          <a:prstGeom prst="rect">
+            <a:avLst/>
+          </a:prstGeom>
+          <a:noFill/>
+        </p:spPr>
+        <p:txBody>
+          <a:bodyPr wrap="none" rtlCol="0">
+            <a:spAutoFit/>
+          </a:bodyPr>
+          <a:lstStyle/>
+          <a:p>
+            <a:r>
+              <a:rPr lang="en-US" altLang="zh-CN" dirty="0"/>
+              <a:t>b = 0</a:t>
+            </a:r>
+            <a:r>
+              <a:rPr lang="zh-CN" altLang="en-US" dirty="0"/>
+              <a:t>，返回</a:t>
+            </a:r>
+            <a:r>
+              <a:rPr lang="en-US" altLang="zh-CN" dirty="0"/>
+              <a:t>answer * 3</a:t>
+            </a:r>
+            <a:endParaRPr lang="zh-CN" altLang="en-US" dirty="0"/>
+          </a:p>
+        </p:txBody>
+      </p:sp>
+      <p:cxnSp>
+        <p:nvCxnSpPr>
+          <p:cNvPr id="38" name="直接连接符 37">
+            <a:extLst>
+              <a:ext uri="{FF2B5EF4-FFF2-40B4-BE49-F238E27FC236}">
+                <a16:creationId xmlns:a16="http://schemas.microsoft.com/office/drawing/2014/main" id="{A86FDA57-8A26-48DE-B6EE-501ACCE504D9}"/>
+              </a:ext>
+            </a:extLst>
+          </p:cNvPr>
+          <p:cNvCxnSpPr>
+            <a:cxnSpLocks/>
+          </p:cNvCxnSpPr>
+          <p:nvPr/>
+        </p:nvCxnSpPr>
+        <p:spPr>
+          <a:xfrm>
+            <a:off x="8200237" y="1174459"/>
+            <a:ext cx="0" cy="0"/>
+          </a:xfrm>
+          <a:prstGeom prst="line">
+            <a:avLst/>
+          </a:prstGeom>
+        </p:spPr>
+        <p:style>
+          <a:lnRef idx="1">
+            <a:schemeClr val="accent1"/>
+          </a:lnRef>
+          <a:fillRef idx="0">
+            <a:schemeClr val="accent1"/>
+          </a:fillRef>
+          <a:effectRef idx="0">
+            <a:schemeClr val="accent1"/>
+          </a:effectRef>
+          <a:fontRef idx="minor">
+            <a:schemeClr val="tx1"/>
+          </a:fontRef>
+        </p:style>
+      </p:cxnSp>
+    </p:spTree>
+    <p:extLst>
+      <p:ext uri="{BB962C8B-B14F-4D97-AF65-F5344CB8AC3E}">
+        <p14:creationId xmlns:p14="http://schemas.microsoft.com/office/powerpoint/2010/main" val="416403419"/>
+      </p:ext>
+    </p:extLst>
+  </p:cSld>
+  <p:clrMapOvr>
+    <a:masterClrMapping/>
+  </p:clrMapOvr>
+</p:sld>
+</file>
+
 <file path=ppt/theme/theme1.xml><?xml version="1.0" encoding="utf-8"?>
 <a:theme xmlns:a="http://schemas.openxmlformats.org/drawingml/2006/main" name="Office 主题​​">
   <a:themeElements>
